--- a/presentations/introduction.pptx
+++ b/presentations/introduction.pptx
@@ -5,7 +5,7 @@
     <p:sldMasterId id="2147483648" r:id="rId1"/>
   </p:sldMasterIdLst>
   <p:notesMasterIdLst>
-    <p:notesMasterId r:id="rId13"/>
+    <p:notesMasterId r:id="rId16"/>
   </p:notesMasterIdLst>
   <p:sldIdLst>
     <p:sldId id="256" r:id="rId2"/>
@@ -13,12 +13,15 @@
     <p:sldId id="263" r:id="rId4"/>
     <p:sldId id="257" r:id="rId5"/>
     <p:sldId id="262" r:id="rId6"/>
-    <p:sldId id="258" r:id="rId7"/>
-    <p:sldId id="264" r:id="rId8"/>
-    <p:sldId id="259" r:id="rId9"/>
-    <p:sldId id="261" r:id="rId10"/>
-    <p:sldId id="265" r:id="rId11"/>
-    <p:sldId id="260" r:id="rId12"/>
+    <p:sldId id="267" r:id="rId7"/>
+    <p:sldId id="268" r:id="rId8"/>
+    <p:sldId id="269" r:id="rId9"/>
+    <p:sldId id="258" r:id="rId10"/>
+    <p:sldId id="264" r:id="rId11"/>
+    <p:sldId id="259" r:id="rId12"/>
+    <p:sldId id="261" r:id="rId13"/>
+    <p:sldId id="265" r:id="rId14"/>
+    <p:sldId id="260" r:id="rId15"/>
   </p:sldIdLst>
   <p:sldSz cx="12192000" cy="6858000"/>
   <p:notesSz cx="6858000" cy="9144000"/>
@@ -207,7 +210,7 @@
           <a:p>
             <a:fld id="{AA60F3C0-09E8-4B45-8F86-6B106BA7E8AF}" type="datetimeFigureOut">
               <a:rPr lang="en-US" smtClean="0"/>
-              <a:t>12/21/2020</a:t>
+              <a:t>12/28/2020</a:t>
             </a:fld>
             <a:endParaRPr lang="en-US"/>
           </a:p>
@@ -621,7 +624,7 @@
           <a:p>
             <a:fld id="{122340FA-ABAA-4B43-8B82-369FEDBC189E}" type="datetime1">
               <a:rPr lang="en-US" smtClean="0"/>
-              <a:t>12/21/2020</a:t>
+              <a:t>12/28/2020</a:t>
             </a:fld>
             <a:endParaRPr lang="en-US"/>
           </a:p>
@@ -928,7 +931,7 @@
           <a:p>
             <a:fld id="{668C4D32-1B2D-4512-9F4F-E14097E962B6}" type="datetime1">
               <a:rPr lang="en-US" smtClean="0"/>
-              <a:t>12/21/2020</a:t>
+              <a:t>12/28/2020</a:t>
             </a:fld>
             <a:endParaRPr lang="en-US"/>
           </a:p>
@@ -1245,7 +1248,7 @@
           <a:p>
             <a:fld id="{E697ABD2-2CC8-4B49-9D13-731DC8924D06}" type="datetime1">
               <a:rPr lang="en-US" smtClean="0"/>
-              <a:t>12/21/2020</a:t>
+              <a:t>12/28/2020</a:t>
             </a:fld>
             <a:endParaRPr lang="en-US"/>
           </a:p>
@@ -1552,7 +1555,7 @@
           <a:p>
             <a:fld id="{0929D1B9-16AA-4722-BC62-4359748FAC86}" type="datetime1">
               <a:rPr lang="en-US" smtClean="0"/>
-              <a:t>12/21/2020</a:t>
+              <a:t>12/28/2020</a:t>
             </a:fld>
             <a:endParaRPr lang="en-US"/>
           </a:p>
@@ -1936,7 +1939,7 @@
           <a:p>
             <a:fld id="{6FC36E87-D2E6-4017-A58C-9A69317DCDAD}" type="datetime1">
               <a:rPr lang="en-US" smtClean="0"/>
-              <a:t>12/21/2020</a:t>
+              <a:t>12/28/2020</a:t>
             </a:fld>
             <a:endParaRPr lang="en-US"/>
           </a:p>
@@ -2310,7 +2313,7 @@
           <a:p>
             <a:fld id="{C60310E4-3D94-4608-A49F-173BAFA73C28}" type="datetime1">
               <a:rPr lang="en-US" smtClean="0"/>
-              <a:t>12/21/2020</a:t>
+              <a:t>12/28/2020</a:t>
             </a:fld>
             <a:endParaRPr lang="en-US"/>
           </a:p>
@@ -2831,7 +2834,7 @@
           <a:p>
             <a:fld id="{87041EB4-757E-4426-B64F-4AFF8E5E8D04}" type="datetime1">
               <a:rPr lang="en-US" smtClean="0"/>
-              <a:t>12/21/2020</a:t>
+              <a:t>12/28/2020</a:t>
             </a:fld>
             <a:endParaRPr lang="en-US"/>
           </a:p>
@@ -3081,7 +3084,7 @@
           <a:p>
             <a:fld id="{381FA804-722B-4926-8A1A-D661FC08B095}" type="datetime1">
               <a:rPr lang="en-US" smtClean="0"/>
-              <a:t>12/21/2020</a:t>
+              <a:t>12/28/2020</a:t>
             </a:fld>
             <a:endParaRPr lang="en-US"/>
           </a:p>
@@ -3303,7 +3306,7 @@
           <a:p>
             <a:fld id="{324152EE-AF05-411B-AE94-8774E88C1C59}" type="datetime1">
               <a:rPr lang="en-US" smtClean="0"/>
-              <a:t>12/21/2020</a:t>
+              <a:t>12/28/2020</a:t>
             </a:fld>
             <a:endParaRPr lang="en-US"/>
           </a:p>
@@ -3723,7 +3726,7 @@
           <a:p>
             <a:fld id="{2794504B-141B-4F51-B21A-34E3BBC2F379}" type="datetime1">
               <a:rPr lang="en-US" smtClean="0"/>
-              <a:t>12/21/2020</a:t>
+              <a:t>12/28/2020</a:t>
             </a:fld>
             <a:endParaRPr lang="en-US"/>
           </a:p>
@@ -4120,7 +4123,7 @@
           <a:p>
             <a:fld id="{C3B171C0-E6FF-4200-802B-FBA3F1F80B22}" type="datetime1">
               <a:rPr lang="en-US" smtClean="0"/>
-              <a:t>12/21/2020</a:t>
+              <a:t>12/28/2020</a:t>
             </a:fld>
             <a:endParaRPr lang="en-US"/>
           </a:p>
@@ -4470,7 +4473,7 @@
           <a:p>
             <a:fld id="{5B1D5F8E-9059-48A4-8A13-495DE40514E1}" type="datetime1">
               <a:rPr lang="en-US" smtClean="0"/>
-              <a:t>12/21/2020</a:t>
+              <a:t>12/28/2020</a:t>
             </a:fld>
             <a:endParaRPr lang="en-US"/>
           </a:p>
@@ -5492,7 +5495,7 @@
           <p:cNvPr id="2" name="Title 1">
             <a:extLst>
               <a:ext uri="{FF2B5EF4-FFF2-40B4-BE49-F238E27FC236}">
-                <a16:creationId xmlns:a16="http://schemas.microsoft.com/office/drawing/2014/main" id="{606D8169-B45A-4770-A502-EC1FE13C0988}"/>
+                <a16:creationId xmlns:a16="http://schemas.microsoft.com/office/drawing/2014/main" id="{744DF199-4DCA-4541-A844-DED4B48065F7}"/>
               </a:ext>
             </a:extLst>
           </p:cNvPr>
@@ -5510,25 +5513,63 @@
           <a:p>
             <a:r>
               <a:rPr lang="en-US" dirty="0"/>
-              <a:t>KASM Toolchain</a:t>
-            </a:r>
-          </a:p>
-        </p:txBody>
-      </p:sp>
-      <p:sp>
-        <p:nvSpPr>
-          <p:cNvPr id="3" name="Content Placeholder 2">
-            <a:extLst>
-              <a:ext uri="{FF2B5EF4-FFF2-40B4-BE49-F238E27FC236}">
-                <a16:creationId xmlns:a16="http://schemas.microsoft.com/office/drawing/2014/main" id="{2D90D774-20EE-4C07-A5A6-C582F5FF7BAF}"/>
-              </a:ext>
-            </a:extLst>
-          </p:cNvPr>
-          <p:cNvSpPr>
-            <a:spLocks noGrp="1"/>
-          </p:cNvSpPr>
+              <a:t>Something Isn’t Working</a:t>
+            </a:r>
+          </a:p>
+        </p:txBody>
+      </p:sp>
+      <p:pic>
+        <p:nvPicPr>
+          <p:cNvPr id="7" name="Content Placeholder 6">
+            <a:extLst>
+              <a:ext uri="{FF2B5EF4-FFF2-40B4-BE49-F238E27FC236}">
+                <a16:creationId xmlns:a16="http://schemas.microsoft.com/office/drawing/2014/main" id="{337539DA-500D-44CD-8B2C-32A07C5CF8E1}"/>
+              </a:ext>
+            </a:extLst>
+          </p:cNvPr>
+          <p:cNvPicPr>
+            <a:picLocks noGrp="1" noChangeAspect="1"/>
+          </p:cNvPicPr>
           <p:nvPr>
             <p:ph idx="1"/>
+          </p:nvPr>
+        </p:nvPicPr>
+        <p:blipFill>
+          <a:blip r:embed="rId2">
+            <a:extLst>
+              <a:ext uri="{28A0092B-C50C-407E-A947-70E740481C1C}">
+                <a14:useLocalDpi xmlns:a14="http://schemas.microsoft.com/office/drawing/2010/main" val="0"/>
+              </a:ext>
+              <a:ext uri="{96DAC541-7B7A-43D3-8B79-37D633B846F1}">
+                <asvg:svgBlip xmlns:asvg="http://schemas.microsoft.com/office/drawing/2016/SVG/main" r:embed="rId3"/>
+              </a:ext>
+            </a:extLst>
+          </a:blip>
+          <a:stretch>
+            <a:fillRect/>
+          </a:stretch>
+        </p:blipFill>
+        <p:spPr>
+          <a:xfrm>
+            <a:off x="5469220" y="1027906"/>
+            <a:ext cx="6720961" cy="4351338"/>
+          </a:xfrm>
+        </p:spPr>
+      </p:pic>
+      <p:sp>
+        <p:nvSpPr>
+          <p:cNvPr id="4" name="Footer Placeholder 3">
+            <a:extLst>
+              <a:ext uri="{FF2B5EF4-FFF2-40B4-BE49-F238E27FC236}">
+                <a16:creationId xmlns:a16="http://schemas.microsoft.com/office/drawing/2014/main" id="{50F431B9-94B6-4DD2-8DC9-E776B8E31FD8}"/>
+              </a:ext>
+            </a:extLst>
+          </p:cNvPr>
+          <p:cNvSpPr>
+            <a:spLocks noGrp="1"/>
+          </p:cNvSpPr>
+          <p:nvPr>
+            <p:ph type="ftr" sz="quarter" idx="11"/>
           </p:nvPr>
         </p:nvSpPr>
         <p:spPr/>
@@ -5537,58 +5578,6 @@
           <a:lstStyle/>
           <a:p>
             <a:r>
-              <a:rPr lang="en-US" dirty="0"/>
-              <a:t>Assembler</a:t>
-            </a:r>
-          </a:p>
-          <a:p>
-            <a:r>
-              <a:rPr lang="en-US" dirty="0"/>
-              <a:t>Linker</a:t>
-            </a:r>
-          </a:p>
-          <a:p>
-            <a:r>
-              <a:rPr lang="en-US" dirty="0"/>
-              <a:t>Disassembler</a:t>
-            </a:r>
-          </a:p>
-          <a:p>
-            <a:r>
-              <a:rPr lang="en-US" dirty="0"/>
-              <a:t>Debugger</a:t>
-            </a:r>
-          </a:p>
-          <a:p>
-            <a:r>
-              <a:rPr lang="en-US" dirty="0"/>
-              <a:t>Instruction Set Emulator</a:t>
-            </a:r>
-          </a:p>
-        </p:txBody>
-      </p:sp>
-      <p:sp>
-        <p:nvSpPr>
-          <p:cNvPr id="4" name="Footer Placeholder 3">
-            <a:extLst>
-              <a:ext uri="{FF2B5EF4-FFF2-40B4-BE49-F238E27FC236}">
-                <a16:creationId xmlns:a16="http://schemas.microsoft.com/office/drawing/2014/main" id="{CC47EEFA-3C1D-462E-9A0E-1B998E75F488}"/>
-              </a:ext>
-            </a:extLst>
-          </p:cNvPr>
-          <p:cNvSpPr>
-            <a:spLocks noGrp="1"/>
-          </p:cNvSpPr>
-          <p:nvPr>
-            <p:ph type="ftr" sz="quarter" idx="11"/>
-          </p:nvPr>
-        </p:nvSpPr>
-        <p:spPr/>
-        <p:txBody>
-          <a:bodyPr/>
-          <a:lstStyle/>
-          <a:p>
-            <a:r>
               <a:rPr lang="en-US"/>
               <a:t>widberg.github.io/kasm</a:t>
             </a:r>
@@ -5600,7 +5589,7 @@
           <p:cNvPr id="5" name="Slide Number Placeholder 4">
             <a:extLst>
               <a:ext uri="{FF2B5EF4-FFF2-40B4-BE49-F238E27FC236}">
-                <a16:creationId xmlns:a16="http://schemas.microsoft.com/office/drawing/2014/main" id="{588B68D6-7117-4A29-8304-55E53F38FC7C}"/>
+                <a16:creationId xmlns:a16="http://schemas.microsoft.com/office/drawing/2014/main" id="{CE6AC900-A6F2-4E1C-91F1-C98983CD1293}"/>
               </a:ext>
             </a:extLst>
           </p:cNvPr>
@@ -5624,10 +5613,349 @@
           </a:p>
         </p:txBody>
       </p:sp>
+      <p:sp>
+        <p:nvSpPr>
+          <p:cNvPr id="8" name="TextBox 7">
+            <a:extLst>
+              <a:ext uri="{FF2B5EF4-FFF2-40B4-BE49-F238E27FC236}">
+                <a16:creationId xmlns:a16="http://schemas.microsoft.com/office/drawing/2014/main" id="{4A6C966C-0491-437D-B0E1-106C3DA6D500}"/>
+              </a:ext>
+            </a:extLst>
+          </p:cNvPr>
+          <p:cNvSpPr txBox="1"/>
+          <p:nvPr/>
+        </p:nvSpPr>
+        <p:spPr>
+          <a:xfrm>
+            <a:off x="6199464" y="4261607"/>
+            <a:ext cx="1253869" cy="707886"/>
+          </a:xfrm>
+          <a:prstGeom prst="rect">
+            <a:avLst/>
+          </a:prstGeom>
+          <a:noFill/>
+        </p:spPr>
+        <p:txBody>
+          <a:bodyPr wrap="none" rtlCol="0">
+            <a:spAutoFit/>
+          </a:bodyPr>
+          <a:lstStyle/>
+          <a:p>
+            <a:r>
+              <a:rPr lang="en-US" sz="4000" dirty="0"/>
+              <a:t>MIPS</a:t>
+            </a:r>
+          </a:p>
+        </p:txBody>
+      </p:sp>
+      <p:sp>
+        <p:nvSpPr>
+          <p:cNvPr id="9" name="TextBox 8">
+            <a:extLst>
+              <a:ext uri="{FF2B5EF4-FFF2-40B4-BE49-F238E27FC236}">
+                <a16:creationId xmlns:a16="http://schemas.microsoft.com/office/drawing/2014/main" id="{477C3601-DEE3-4B30-B455-9241333A93D2}"/>
+              </a:ext>
+            </a:extLst>
+          </p:cNvPr>
+          <p:cNvSpPr txBox="1"/>
+          <p:nvPr/>
+        </p:nvSpPr>
+        <p:spPr>
+          <a:xfrm>
+            <a:off x="6989904" y="3374334"/>
+            <a:ext cx="926857" cy="707886"/>
+          </a:xfrm>
+          <a:prstGeom prst="rect">
+            <a:avLst/>
+          </a:prstGeom>
+          <a:noFill/>
+        </p:spPr>
+        <p:txBody>
+          <a:bodyPr wrap="none" rtlCol="0">
+            <a:spAutoFit/>
+          </a:bodyPr>
+          <a:lstStyle/>
+          <a:p>
+            <a:r>
+              <a:rPr lang="en-US" sz="4000" dirty="0"/>
+              <a:t>x86</a:t>
+            </a:r>
+          </a:p>
+        </p:txBody>
+      </p:sp>
+      <p:sp>
+        <p:nvSpPr>
+          <p:cNvPr id="10" name="TextBox 9">
+            <a:extLst>
+              <a:ext uri="{FF2B5EF4-FFF2-40B4-BE49-F238E27FC236}">
+                <a16:creationId xmlns:a16="http://schemas.microsoft.com/office/drawing/2014/main" id="{F0487569-2351-4A40-A3A5-7C4E070EEBCF}"/>
+              </a:ext>
+            </a:extLst>
+          </p:cNvPr>
+          <p:cNvSpPr txBox="1"/>
+          <p:nvPr/>
+        </p:nvSpPr>
+        <p:spPr>
+          <a:xfrm>
+            <a:off x="8052732" y="2495689"/>
+            <a:ext cx="954107" cy="707886"/>
+          </a:xfrm>
+          <a:prstGeom prst="rect">
+            <a:avLst/>
+          </a:prstGeom>
+          <a:noFill/>
+        </p:spPr>
+        <p:txBody>
+          <a:bodyPr wrap="none" rtlCol="0">
+            <a:spAutoFit/>
+          </a:bodyPr>
+          <a:lstStyle/>
+          <a:p>
+            <a:r>
+              <a:rPr lang="en-US" sz="4000" dirty="0"/>
+              <a:t>Y86</a:t>
+            </a:r>
+          </a:p>
+        </p:txBody>
+      </p:sp>
+      <p:sp>
+        <p:nvSpPr>
+          <p:cNvPr id="11" name="TextBox 10">
+            <a:extLst>
+              <a:ext uri="{FF2B5EF4-FFF2-40B4-BE49-F238E27FC236}">
+                <a16:creationId xmlns:a16="http://schemas.microsoft.com/office/drawing/2014/main" id="{C63380E2-BD09-49B9-9666-2684F7B3B3D6}"/>
+              </a:ext>
+            </a:extLst>
+          </p:cNvPr>
+          <p:cNvSpPr txBox="1"/>
+          <p:nvPr/>
+        </p:nvSpPr>
+        <p:spPr>
+          <a:xfrm>
+            <a:off x="9506125" y="5025301"/>
+            <a:ext cx="2202975" cy="707886"/>
+          </a:xfrm>
+          <a:prstGeom prst="rect">
+            <a:avLst/>
+          </a:prstGeom>
+          <a:noFill/>
+        </p:spPr>
+        <p:txBody>
+          <a:bodyPr wrap="none" rtlCol="0">
+            <a:spAutoFit/>
+          </a:bodyPr>
+          <a:lstStyle/>
+          <a:p>
+            <a:r>
+              <a:rPr lang="en-US" sz="4000" dirty="0"/>
+              <a:t>x86 Again</a:t>
+            </a:r>
+          </a:p>
+        </p:txBody>
+      </p:sp>
+      <p:sp>
+        <p:nvSpPr>
+          <p:cNvPr id="12" name="Content Placeholder 2">
+            <a:extLst>
+              <a:ext uri="{FF2B5EF4-FFF2-40B4-BE49-F238E27FC236}">
+                <a16:creationId xmlns:a16="http://schemas.microsoft.com/office/drawing/2014/main" id="{FFDCC961-0631-4E47-8261-C738EED6C335}"/>
+              </a:ext>
+            </a:extLst>
+          </p:cNvPr>
+          <p:cNvSpPr txBox="1">
+            <a:spLocks/>
+          </p:cNvSpPr>
+          <p:nvPr/>
+        </p:nvSpPr>
+        <p:spPr>
+          <a:xfrm>
+            <a:off x="838200" y="1825625"/>
+            <a:ext cx="10515600" cy="4351338"/>
+          </a:xfrm>
+          <a:prstGeom prst="rect">
+            <a:avLst/>
+          </a:prstGeom>
+        </p:spPr>
+        <p:txBody>
+          <a:bodyPr vert="horz" lIns="91440" tIns="45720" rIns="91440" bIns="45720" rtlCol="0">
+            <a:normAutofit/>
+          </a:bodyPr>
+          <a:lstStyle>
+            <a:lvl1pPr marL="228600" indent="-228600" algn="l" defTabSz="914400" rtl="0" eaLnBrk="1" latinLnBrk="0" hangingPunct="1">
+              <a:lnSpc>
+                <a:spcPct val="90000"/>
+              </a:lnSpc>
+              <a:spcBef>
+                <a:spcPts val="1000"/>
+              </a:spcBef>
+              <a:buFont typeface="Arial" panose="020B0604020202020204" pitchFamily="34" charset="0"/>
+              <a:buChar char="•"/>
+              <a:defRPr sz="2800" kern="1200">
+                <a:solidFill>
+                  <a:schemeClr val="tx1"/>
+                </a:solidFill>
+                <a:latin typeface="+mn-lt"/>
+                <a:ea typeface="+mn-ea"/>
+                <a:cs typeface="+mn-cs"/>
+              </a:defRPr>
+            </a:lvl1pPr>
+            <a:lvl2pPr marL="685800" indent="-228600" algn="l" defTabSz="914400" rtl="0" eaLnBrk="1" latinLnBrk="0" hangingPunct="1">
+              <a:lnSpc>
+                <a:spcPct val="90000"/>
+              </a:lnSpc>
+              <a:spcBef>
+                <a:spcPts val="500"/>
+              </a:spcBef>
+              <a:buFont typeface="Arial" panose="020B0604020202020204" pitchFamily="34" charset="0"/>
+              <a:buChar char="•"/>
+              <a:defRPr sz="2400" kern="1200">
+                <a:solidFill>
+                  <a:schemeClr val="tx1"/>
+                </a:solidFill>
+                <a:latin typeface="+mn-lt"/>
+                <a:ea typeface="+mn-ea"/>
+                <a:cs typeface="+mn-cs"/>
+              </a:defRPr>
+            </a:lvl2pPr>
+            <a:lvl3pPr marL="1143000" indent="-228600" algn="l" defTabSz="914400" rtl="0" eaLnBrk="1" latinLnBrk="0" hangingPunct="1">
+              <a:lnSpc>
+                <a:spcPct val="90000"/>
+              </a:lnSpc>
+              <a:spcBef>
+                <a:spcPts val="500"/>
+              </a:spcBef>
+              <a:buFont typeface="Arial" panose="020B0604020202020204" pitchFamily="34" charset="0"/>
+              <a:buChar char="•"/>
+              <a:defRPr sz="2000" kern="1200">
+                <a:solidFill>
+                  <a:schemeClr val="tx1"/>
+                </a:solidFill>
+                <a:latin typeface="+mn-lt"/>
+                <a:ea typeface="+mn-ea"/>
+                <a:cs typeface="+mn-cs"/>
+              </a:defRPr>
+            </a:lvl3pPr>
+            <a:lvl4pPr marL="1600200" indent="-228600" algn="l" defTabSz="914400" rtl="0" eaLnBrk="1" latinLnBrk="0" hangingPunct="1">
+              <a:lnSpc>
+                <a:spcPct val="90000"/>
+              </a:lnSpc>
+              <a:spcBef>
+                <a:spcPts val="500"/>
+              </a:spcBef>
+              <a:buFont typeface="Arial" panose="020B0604020202020204" pitchFamily="34" charset="0"/>
+              <a:buChar char="•"/>
+              <a:defRPr sz="1800" kern="1200">
+                <a:solidFill>
+                  <a:schemeClr val="tx1"/>
+                </a:solidFill>
+                <a:latin typeface="+mn-lt"/>
+                <a:ea typeface="+mn-ea"/>
+                <a:cs typeface="+mn-cs"/>
+              </a:defRPr>
+            </a:lvl4pPr>
+            <a:lvl5pPr marL="2057400" indent="-228600" algn="l" defTabSz="914400" rtl="0" eaLnBrk="1" latinLnBrk="0" hangingPunct="1">
+              <a:lnSpc>
+                <a:spcPct val="90000"/>
+              </a:lnSpc>
+              <a:spcBef>
+                <a:spcPts val="500"/>
+              </a:spcBef>
+              <a:buFont typeface="Arial" panose="020B0604020202020204" pitchFamily="34" charset="0"/>
+              <a:buChar char="•"/>
+              <a:defRPr sz="1800" kern="1200">
+                <a:solidFill>
+                  <a:schemeClr val="tx1"/>
+                </a:solidFill>
+                <a:latin typeface="+mn-lt"/>
+                <a:ea typeface="+mn-ea"/>
+                <a:cs typeface="+mn-cs"/>
+              </a:defRPr>
+            </a:lvl5pPr>
+            <a:lvl6pPr marL="2514600" indent="-228600" algn="l" defTabSz="914400" rtl="0" eaLnBrk="1" latinLnBrk="0" hangingPunct="1">
+              <a:lnSpc>
+                <a:spcPct val="90000"/>
+              </a:lnSpc>
+              <a:spcBef>
+                <a:spcPts val="500"/>
+              </a:spcBef>
+              <a:buFont typeface="Arial" panose="020B0604020202020204" pitchFamily="34" charset="0"/>
+              <a:buChar char="•"/>
+              <a:defRPr sz="1800" kern="1200">
+                <a:solidFill>
+                  <a:schemeClr val="tx1"/>
+                </a:solidFill>
+                <a:latin typeface="+mn-lt"/>
+                <a:ea typeface="+mn-ea"/>
+                <a:cs typeface="+mn-cs"/>
+              </a:defRPr>
+            </a:lvl6pPr>
+            <a:lvl7pPr marL="2971800" indent="-228600" algn="l" defTabSz="914400" rtl="0" eaLnBrk="1" latinLnBrk="0" hangingPunct="1">
+              <a:lnSpc>
+                <a:spcPct val="90000"/>
+              </a:lnSpc>
+              <a:spcBef>
+                <a:spcPts val="500"/>
+              </a:spcBef>
+              <a:buFont typeface="Arial" panose="020B0604020202020204" pitchFamily="34" charset="0"/>
+              <a:buChar char="•"/>
+              <a:defRPr sz="1800" kern="1200">
+                <a:solidFill>
+                  <a:schemeClr val="tx1"/>
+                </a:solidFill>
+                <a:latin typeface="+mn-lt"/>
+                <a:ea typeface="+mn-ea"/>
+                <a:cs typeface="+mn-cs"/>
+              </a:defRPr>
+            </a:lvl7pPr>
+            <a:lvl8pPr marL="3429000" indent="-228600" algn="l" defTabSz="914400" rtl="0" eaLnBrk="1" latinLnBrk="0" hangingPunct="1">
+              <a:lnSpc>
+                <a:spcPct val="90000"/>
+              </a:lnSpc>
+              <a:spcBef>
+                <a:spcPts val="500"/>
+              </a:spcBef>
+              <a:buFont typeface="Arial" panose="020B0604020202020204" pitchFamily="34" charset="0"/>
+              <a:buChar char="•"/>
+              <a:defRPr sz="1800" kern="1200">
+                <a:solidFill>
+                  <a:schemeClr val="tx1"/>
+                </a:solidFill>
+                <a:latin typeface="+mn-lt"/>
+                <a:ea typeface="+mn-ea"/>
+                <a:cs typeface="+mn-cs"/>
+              </a:defRPr>
+            </a:lvl8pPr>
+            <a:lvl9pPr marL="3886200" indent="-228600" algn="l" defTabSz="914400" rtl="0" eaLnBrk="1" latinLnBrk="0" hangingPunct="1">
+              <a:lnSpc>
+                <a:spcPct val="90000"/>
+              </a:lnSpc>
+              <a:spcBef>
+                <a:spcPts val="500"/>
+              </a:spcBef>
+              <a:buFont typeface="Arial" panose="020B0604020202020204" pitchFamily="34" charset="0"/>
+              <a:buChar char="•"/>
+              <a:defRPr sz="1800" kern="1200">
+                <a:solidFill>
+                  <a:schemeClr val="tx1"/>
+                </a:solidFill>
+                <a:latin typeface="+mn-lt"/>
+                <a:ea typeface="+mn-ea"/>
+                <a:cs typeface="+mn-cs"/>
+              </a:defRPr>
+            </a:lvl9pPr>
+          </a:lstStyle>
+          <a:p>
+            <a:r>
+              <a:rPr lang="en-US" dirty="0"/>
+              <a:t>I mean really; what the fuck is this shit?</a:t>
+            </a:r>
+          </a:p>
+        </p:txBody>
+      </p:sp>
     </p:spTree>
     <p:extLst>
       <p:ext uri="{BB962C8B-B14F-4D97-AF65-F5344CB8AC3E}">
-        <p14:creationId xmlns:p14="http://schemas.microsoft.com/office/powerpoint/2010/main" val="506392561"/>
+        <p14:creationId xmlns:p14="http://schemas.microsoft.com/office/powerpoint/2010/main" val="332529414"/>
       </p:ext>
     </p:extLst>
   </p:cSld>
@@ -5659,6 +5987,528 @@
           <p:cNvPr id="2" name="Title 1">
             <a:extLst>
               <a:ext uri="{FF2B5EF4-FFF2-40B4-BE49-F238E27FC236}">
+                <a16:creationId xmlns:a16="http://schemas.microsoft.com/office/drawing/2014/main" id="{3DA805D6-4E09-4849-8649-86402172D2AF}"/>
+              </a:ext>
+            </a:extLst>
+          </p:cNvPr>
+          <p:cNvSpPr>
+            <a:spLocks noGrp="1"/>
+          </p:cNvSpPr>
+          <p:nvPr>
+            <p:ph type="title"/>
+          </p:nvPr>
+        </p:nvSpPr>
+        <p:spPr/>
+        <p:txBody>
+          <a:bodyPr/>
+          <a:lstStyle/>
+          <a:p>
+            <a:r>
+              <a:rPr lang="en-US" dirty="0"/>
+              <a:t>Somewhere in Between</a:t>
+            </a:r>
+          </a:p>
+        </p:txBody>
+      </p:sp>
+      <p:sp>
+        <p:nvSpPr>
+          <p:cNvPr id="3" name="Content Placeholder 2">
+            <a:extLst>
+              <a:ext uri="{FF2B5EF4-FFF2-40B4-BE49-F238E27FC236}">
+                <a16:creationId xmlns:a16="http://schemas.microsoft.com/office/drawing/2014/main" id="{4B4FC435-C6A1-4E6C-8F79-768E56DE529C}"/>
+              </a:ext>
+            </a:extLst>
+          </p:cNvPr>
+          <p:cNvSpPr>
+            <a:spLocks noGrp="1"/>
+          </p:cNvSpPr>
+          <p:nvPr>
+            <p:ph idx="1"/>
+          </p:nvPr>
+        </p:nvSpPr>
+        <p:spPr/>
+        <p:txBody>
+          <a:bodyPr/>
+          <a:lstStyle/>
+          <a:p>
+            <a:r>
+              <a:rPr lang="en-US" dirty="0"/>
+              <a:t>Instruction set emulation</a:t>
+            </a:r>
+          </a:p>
+          <a:p>
+            <a:r>
+              <a:rPr lang="en-US" dirty="0"/>
+              <a:t>All the concepts without all the mess</a:t>
+            </a:r>
+          </a:p>
+          <a:p>
+            <a:r>
+              <a:rPr lang="en-US" dirty="0"/>
+              <a:t>Unified knowledge base</a:t>
+            </a:r>
+          </a:p>
+        </p:txBody>
+      </p:sp>
+      <p:sp>
+        <p:nvSpPr>
+          <p:cNvPr id="4" name="Footer Placeholder 3">
+            <a:extLst>
+              <a:ext uri="{FF2B5EF4-FFF2-40B4-BE49-F238E27FC236}">
+                <a16:creationId xmlns:a16="http://schemas.microsoft.com/office/drawing/2014/main" id="{A51A449F-40A6-4D1B-83C1-FD000CBA55F0}"/>
+              </a:ext>
+            </a:extLst>
+          </p:cNvPr>
+          <p:cNvSpPr>
+            <a:spLocks noGrp="1"/>
+          </p:cNvSpPr>
+          <p:nvPr>
+            <p:ph type="ftr" sz="quarter" idx="11"/>
+          </p:nvPr>
+        </p:nvSpPr>
+        <p:spPr/>
+        <p:txBody>
+          <a:bodyPr/>
+          <a:lstStyle/>
+          <a:p>
+            <a:r>
+              <a:rPr lang="en-US"/>
+              <a:t>widberg.github.io/kasm</a:t>
+            </a:r>
+          </a:p>
+        </p:txBody>
+      </p:sp>
+      <p:sp>
+        <p:nvSpPr>
+          <p:cNvPr id="5" name="Slide Number Placeholder 4">
+            <a:extLst>
+              <a:ext uri="{FF2B5EF4-FFF2-40B4-BE49-F238E27FC236}">
+                <a16:creationId xmlns:a16="http://schemas.microsoft.com/office/drawing/2014/main" id="{EB14F6E5-8A91-420B-8CD4-E86D88BEFB6F}"/>
+              </a:ext>
+            </a:extLst>
+          </p:cNvPr>
+          <p:cNvSpPr>
+            <a:spLocks noGrp="1"/>
+          </p:cNvSpPr>
+          <p:nvPr>
+            <p:ph type="sldNum" sz="quarter" idx="12"/>
+          </p:nvPr>
+        </p:nvSpPr>
+        <p:spPr/>
+        <p:txBody>
+          <a:bodyPr/>
+          <a:lstStyle/>
+          <a:p>
+            <a:fld id="{17205DFE-0762-4742-8A3F-8DEAEE28F0E3}" type="slidenum">
+              <a:rPr lang="en-US" smtClean="0"/>
+              <a:t>11</a:t>
+            </a:fld>
+            <a:endParaRPr lang="en-US"/>
+          </a:p>
+        </p:txBody>
+      </p:sp>
+    </p:spTree>
+    <p:extLst>
+      <p:ext uri="{BB962C8B-B14F-4D97-AF65-F5344CB8AC3E}">
+        <p14:creationId xmlns:p14="http://schemas.microsoft.com/office/powerpoint/2010/main" val="2908899655"/>
+      </p:ext>
+    </p:extLst>
+  </p:cSld>
+  <p:clrMapOvr>
+    <a:masterClrMapping/>
+  </p:clrMapOvr>
+</p:sld>
+</file>
+
+<file path=ppt/slides/slide12.xml><?xml version="1.0" encoding="utf-8"?>
+<p:sld xmlns:a="http://schemas.openxmlformats.org/drawingml/2006/main" xmlns:r="http://schemas.openxmlformats.org/officeDocument/2006/relationships" xmlns:p="http://schemas.openxmlformats.org/presentationml/2006/main">
+  <p:cSld>
+    <p:spTree>
+      <p:nvGrpSpPr>
+        <p:cNvPr id="1" name=""/>
+        <p:cNvGrpSpPr/>
+        <p:nvPr/>
+      </p:nvGrpSpPr>
+      <p:grpSpPr>
+        <a:xfrm>
+          <a:off x="0" y="0"/>
+          <a:ext cx="0" cy="0"/>
+          <a:chOff x="0" y="0"/>
+          <a:chExt cx="0" cy="0"/>
+        </a:xfrm>
+      </p:grpSpPr>
+      <p:sp>
+        <p:nvSpPr>
+          <p:cNvPr id="2" name="Title 1">
+            <a:extLst>
+              <a:ext uri="{FF2B5EF4-FFF2-40B4-BE49-F238E27FC236}">
+                <a16:creationId xmlns:a16="http://schemas.microsoft.com/office/drawing/2014/main" id="{8B193879-772E-4D98-BA53-6DBAF366DBE8}"/>
+              </a:ext>
+            </a:extLst>
+          </p:cNvPr>
+          <p:cNvSpPr>
+            <a:spLocks noGrp="1"/>
+          </p:cNvSpPr>
+          <p:nvPr>
+            <p:ph type="title"/>
+          </p:nvPr>
+        </p:nvSpPr>
+        <p:spPr/>
+        <p:txBody>
+          <a:bodyPr/>
+          <a:lstStyle/>
+          <a:p>
+            <a:r>
+              <a:rPr lang="en-US" dirty="0"/>
+              <a:t>Bridging the KASM</a:t>
+            </a:r>
+          </a:p>
+        </p:txBody>
+      </p:sp>
+      <p:sp>
+        <p:nvSpPr>
+          <p:cNvPr id="3" name="Content Placeholder 2">
+            <a:extLst>
+              <a:ext uri="{FF2B5EF4-FFF2-40B4-BE49-F238E27FC236}">
+                <a16:creationId xmlns:a16="http://schemas.microsoft.com/office/drawing/2014/main" id="{11AC70F9-44D8-43BF-A4FD-ABBC0F562B31}"/>
+              </a:ext>
+            </a:extLst>
+          </p:cNvPr>
+          <p:cNvSpPr>
+            <a:spLocks noGrp="1"/>
+          </p:cNvSpPr>
+          <p:nvPr>
+            <p:ph idx="1"/>
+          </p:nvPr>
+        </p:nvSpPr>
+        <p:spPr/>
+        <p:txBody>
+          <a:bodyPr/>
+          <a:lstStyle/>
+          <a:p>
+            <a:r>
+              <a:rPr lang="en-US" dirty="0"/>
+              <a:t>KASM</a:t>
+            </a:r>
+          </a:p>
+        </p:txBody>
+      </p:sp>
+      <p:sp>
+        <p:nvSpPr>
+          <p:cNvPr id="4" name="Footer Placeholder 3">
+            <a:extLst>
+              <a:ext uri="{FF2B5EF4-FFF2-40B4-BE49-F238E27FC236}">
+                <a16:creationId xmlns:a16="http://schemas.microsoft.com/office/drawing/2014/main" id="{2E8029A9-9A78-43E6-98D2-987FAA021916}"/>
+              </a:ext>
+            </a:extLst>
+          </p:cNvPr>
+          <p:cNvSpPr>
+            <a:spLocks noGrp="1"/>
+          </p:cNvSpPr>
+          <p:nvPr>
+            <p:ph type="ftr" sz="quarter" idx="11"/>
+          </p:nvPr>
+        </p:nvSpPr>
+        <p:spPr/>
+        <p:txBody>
+          <a:bodyPr/>
+          <a:lstStyle/>
+          <a:p>
+            <a:r>
+              <a:rPr lang="en-US"/>
+              <a:t>widberg.github.io/kasm</a:t>
+            </a:r>
+          </a:p>
+        </p:txBody>
+      </p:sp>
+      <p:sp>
+        <p:nvSpPr>
+          <p:cNvPr id="9" name="Slide Number Placeholder 8">
+            <a:extLst>
+              <a:ext uri="{FF2B5EF4-FFF2-40B4-BE49-F238E27FC236}">
+                <a16:creationId xmlns:a16="http://schemas.microsoft.com/office/drawing/2014/main" id="{0B229943-BCB5-4885-8E57-A11CC8611D20}"/>
+              </a:ext>
+            </a:extLst>
+          </p:cNvPr>
+          <p:cNvSpPr>
+            <a:spLocks noGrp="1"/>
+          </p:cNvSpPr>
+          <p:nvPr>
+            <p:ph type="sldNum" sz="quarter" idx="12"/>
+          </p:nvPr>
+        </p:nvSpPr>
+        <p:spPr/>
+        <p:txBody>
+          <a:bodyPr/>
+          <a:lstStyle/>
+          <a:p>
+            <a:fld id="{17205DFE-0762-4742-8A3F-8DEAEE28F0E3}" type="slidenum">
+              <a:rPr lang="en-US" smtClean="0"/>
+              <a:t>12</a:t>
+            </a:fld>
+            <a:endParaRPr lang="en-US"/>
+          </a:p>
+        </p:txBody>
+      </p:sp>
+      <p:pic>
+        <p:nvPicPr>
+          <p:cNvPr id="11" name="Graphic 10">
+            <a:extLst>
+              <a:ext uri="{FF2B5EF4-FFF2-40B4-BE49-F238E27FC236}">
+                <a16:creationId xmlns:a16="http://schemas.microsoft.com/office/drawing/2014/main" id="{77FBA45A-B7CE-4880-8EB2-B2A9AD9B3728}"/>
+              </a:ext>
+            </a:extLst>
+          </p:cNvPr>
+          <p:cNvPicPr>
+            <a:picLocks noChangeAspect="1"/>
+          </p:cNvPicPr>
+          <p:nvPr/>
+        </p:nvPicPr>
+        <p:blipFill>
+          <a:blip r:embed="rId2">
+            <a:extLst>
+              <a:ext uri="{28A0092B-C50C-407E-A947-70E740481C1C}">
+                <a14:useLocalDpi xmlns:a14="http://schemas.microsoft.com/office/drawing/2010/main" val="0"/>
+              </a:ext>
+              <a:ext uri="{96DAC541-7B7A-43D3-8B79-37D633B846F1}">
+                <asvg:svgBlip xmlns:asvg="http://schemas.microsoft.com/office/drawing/2016/SVG/main" r:embed="rId3"/>
+              </a:ext>
+            </a:extLst>
+          </a:blip>
+          <a:stretch>
+            <a:fillRect/>
+          </a:stretch>
+        </p:blipFill>
+        <p:spPr>
+          <a:xfrm>
+            <a:off x="6436564" y="1423579"/>
+            <a:ext cx="5295360" cy="4010842"/>
+          </a:xfrm>
+          <a:prstGeom prst="rect">
+            <a:avLst/>
+          </a:prstGeom>
+        </p:spPr>
+      </p:pic>
+    </p:spTree>
+    <p:extLst>
+      <p:ext uri="{BB962C8B-B14F-4D97-AF65-F5344CB8AC3E}">
+        <p14:creationId xmlns:p14="http://schemas.microsoft.com/office/powerpoint/2010/main" val="428481552"/>
+      </p:ext>
+    </p:extLst>
+  </p:cSld>
+  <p:clrMapOvr>
+    <a:masterClrMapping/>
+  </p:clrMapOvr>
+</p:sld>
+</file>
+
+<file path=ppt/slides/slide13.xml><?xml version="1.0" encoding="utf-8"?>
+<p:sld xmlns:a="http://schemas.openxmlformats.org/drawingml/2006/main" xmlns:r="http://schemas.openxmlformats.org/officeDocument/2006/relationships" xmlns:p="http://schemas.openxmlformats.org/presentationml/2006/main">
+  <p:cSld>
+    <p:spTree>
+      <p:nvGrpSpPr>
+        <p:cNvPr id="1" name=""/>
+        <p:cNvGrpSpPr/>
+        <p:nvPr/>
+      </p:nvGrpSpPr>
+      <p:grpSpPr>
+        <a:xfrm>
+          <a:off x="0" y="0"/>
+          <a:ext cx="0" cy="0"/>
+          <a:chOff x="0" y="0"/>
+          <a:chExt cx="0" cy="0"/>
+        </a:xfrm>
+      </p:grpSpPr>
+      <p:sp>
+        <p:nvSpPr>
+          <p:cNvPr id="2" name="Title 1">
+            <a:extLst>
+              <a:ext uri="{FF2B5EF4-FFF2-40B4-BE49-F238E27FC236}">
+                <a16:creationId xmlns:a16="http://schemas.microsoft.com/office/drawing/2014/main" id="{606D8169-B45A-4770-A502-EC1FE13C0988}"/>
+              </a:ext>
+            </a:extLst>
+          </p:cNvPr>
+          <p:cNvSpPr>
+            <a:spLocks noGrp="1"/>
+          </p:cNvSpPr>
+          <p:nvPr>
+            <p:ph type="title"/>
+          </p:nvPr>
+        </p:nvSpPr>
+        <p:spPr/>
+        <p:txBody>
+          <a:bodyPr/>
+          <a:lstStyle/>
+          <a:p>
+            <a:r>
+              <a:rPr lang="en-US" dirty="0"/>
+              <a:t>KASM Toolchain</a:t>
+            </a:r>
+          </a:p>
+        </p:txBody>
+      </p:sp>
+      <p:sp>
+        <p:nvSpPr>
+          <p:cNvPr id="3" name="Content Placeholder 2">
+            <a:extLst>
+              <a:ext uri="{FF2B5EF4-FFF2-40B4-BE49-F238E27FC236}">
+                <a16:creationId xmlns:a16="http://schemas.microsoft.com/office/drawing/2014/main" id="{2D90D774-20EE-4C07-A5A6-C582F5FF7BAF}"/>
+              </a:ext>
+            </a:extLst>
+          </p:cNvPr>
+          <p:cNvSpPr>
+            <a:spLocks noGrp="1"/>
+          </p:cNvSpPr>
+          <p:nvPr>
+            <p:ph idx="1"/>
+          </p:nvPr>
+        </p:nvSpPr>
+        <p:spPr/>
+        <p:txBody>
+          <a:bodyPr/>
+          <a:lstStyle/>
+          <a:p>
+            <a:r>
+              <a:rPr lang="en-US" dirty="0"/>
+              <a:t>Assembler</a:t>
+            </a:r>
+          </a:p>
+          <a:p>
+            <a:r>
+              <a:rPr lang="en-US" dirty="0"/>
+              <a:t>Linker</a:t>
+            </a:r>
+          </a:p>
+          <a:p>
+            <a:r>
+              <a:rPr lang="en-US" dirty="0"/>
+              <a:t>Disassembler</a:t>
+            </a:r>
+          </a:p>
+          <a:p>
+            <a:r>
+              <a:rPr lang="en-US" dirty="0"/>
+              <a:t>Debugger</a:t>
+            </a:r>
+          </a:p>
+          <a:p>
+            <a:r>
+              <a:rPr lang="en-US" dirty="0"/>
+              <a:t>Instruction Set Emulator</a:t>
+            </a:r>
+          </a:p>
+          <a:p>
+            <a:r>
+              <a:rPr lang="en-US" dirty="0"/>
+              <a:t>Documentation</a:t>
+            </a:r>
+          </a:p>
+          <a:p>
+            <a:r>
+              <a:rPr lang="en-US" dirty="0"/>
+              <a:t>Graphical IDE</a:t>
+            </a:r>
+          </a:p>
+          <a:p>
+            <a:r>
+              <a:rPr lang="en-US" dirty="0"/>
+              <a:t>C/++ Compilers</a:t>
+            </a:r>
+          </a:p>
+        </p:txBody>
+      </p:sp>
+      <p:sp>
+        <p:nvSpPr>
+          <p:cNvPr id="4" name="Footer Placeholder 3">
+            <a:extLst>
+              <a:ext uri="{FF2B5EF4-FFF2-40B4-BE49-F238E27FC236}">
+                <a16:creationId xmlns:a16="http://schemas.microsoft.com/office/drawing/2014/main" id="{CC47EEFA-3C1D-462E-9A0E-1B998E75F488}"/>
+              </a:ext>
+            </a:extLst>
+          </p:cNvPr>
+          <p:cNvSpPr>
+            <a:spLocks noGrp="1"/>
+          </p:cNvSpPr>
+          <p:nvPr>
+            <p:ph type="ftr" sz="quarter" idx="11"/>
+          </p:nvPr>
+        </p:nvSpPr>
+        <p:spPr/>
+        <p:txBody>
+          <a:bodyPr/>
+          <a:lstStyle/>
+          <a:p>
+            <a:r>
+              <a:rPr lang="en-US"/>
+              <a:t>widberg.github.io/kasm</a:t>
+            </a:r>
+          </a:p>
+        </p:txBody>
+      </p:sp>
+      <p:sp>
+        <p:nvSpPr>
+          <p:cNvPr id="5" name="Slide Number Placeholder 4">
+            <a:extLst>
+              <a:ext uri="{FF2B5EF4-FFF2-40B4-BE49-F238E27FC236}">
+                <a16:creationId xmlns:a16="http://schemas.microsoft.com/office/drawing/2014/main" id="{588B68D6-7117-4A29-8304-55E53F38FC7C}"/>
+              </a:ext>
+            </a:extLst>
+          </p:cNvPr>
+          <p:cNvSpPr>
+            <a:spLocks noGrp="1"/>
+          </p:cNvSpPr>
+          <p:nvPr>
+            <p:ph type="sldNum" sz="quarter" idx="12"/>
+          </p:nvPr>
+        </p:nvSpPr>
+        <p:spPr/>
+        <p:txBody>
+          <a:bodyPr/>
+          <a:lstStyle/>
+          <a:p>
+            <a:fld id="{17205DFE-0762-4742-8A3F-8DEAEE28F0E3}" type="slidenum">
+              <a:rPr lang="en-US" smtClean="0"/>
+              <a:t>13</a:t>
+            </a:fld>
+            <a:endParaRPr lang="en-US"/>
+          </a:p>
+        </p:txBody>
+      </p:sp>
+    </p:spTree>
+    <p:extLst>
+      <p:ext uri="{BB962C8B-B14F-4D97-AF65-F5344CB8AC3E}">
+        <p14:creationId xmlns:p14="http://schemas.microsoft.com/office/powerpoint/2010/main" val="506392561"/>
+      </p:ext>
+    </p:extLst>
+  </p:cSld>
+  <p:clrMapOvr>
+    <a:masterClrMapping/>
+  </p:clrMapOvr>
+</p:sld>
+</file>
+
+<file path=ppt/slides/slide14.xml><?xml version="1.0" encoding="utf-8"?>
+<p:sld xmlns:a="http://schemas.openxmlformats.org/drawingml/2006/main" xmlns:r="http://schemas.openxmlformats.org/officeDocument/2006/relationships" xmlns:p="http://schemas.openxmlformats.org/presentationml/2006/main">
+  <p:cSld>
+    <p:spTree>
+      <p:nvGrpSpPr>
+        <p:cNvPr id="1" name=""/>
+        <p:cNvGrpSpPr/>
+        <p:nvPr/>
+      </p:nvGrpSpPr>
+      <p:grpSpPr>
+        <a:xfrm>
+          <a:off x="0" y="0"/>
+          <a:ext cx="0" cy="0"/>
+          <a:chOff x="0" y="0"/>
+          <a:chExt cx="0" cy="0"/>
+        </a:xfrm>
+      </p:grpSpPr>
+      <p:sp>
+        <p:nvSpPr>
+          <p:cNvPr id="2" name="Title 1">
+            <a:extLst>
+              <a:ext uri="{FF2B5EF4-FFF2-40B4-BE49-F238E27FC236}">
                 <a16:creationId xmlns:a16="http://schemas.microsoft.com/office/drawing/2014/main" id="{9164991E-17D5-4F15-99B8-C16FCCE67ED5}"/>
               </a:ext>
             </a:extLst>
@@ -6157,7 +7007,7 @@
           <a:p>
             <a:fld id="{17205DFE-0762-4742-8A3F-8DEAEE28F0E3}" type="slidenum">
               <a:rPr lang="en-US" smtClean="0"/>
-              <a:t>11</a:t>
+              <a:t>14</a:t>
             </a:fld>
             <a:endParaRPr lang="en-US"/>
           </a:p>
@@ -6584,7 +7434,7 @@
           <a:p>
             <a:r>
               <a:rPr lang="en-US" dirty="0"/>
-              <a:t>Can’t run the code</a:t>
+              <a:t>Can’t run the code in a meaningful way</a:t>
             </a:r>
           </a:p>
         </p:txBody>
@@ -6769,6 +7619,25 @@
               <a:t>Complex</a:t>
             </a:r>
           </a:p>
+          <a:p>
+            <a:r>
+              <a:rPr lang="en-US" dirty="0"/>
+              <a:t>“Don’t teach it ALL”</a:t>
+            </a:r>
+          </a:p>
+          <a:p>
+            <a:pPr lvl="1"/>
+            <a:r>
+              <a:rPr lang="en-US" dirty="0"/>
+              <a:t>Hand wavy</a:t>
+            </a:r>
+          </a:p>
+          <a:p>
+            <a:r>
+              <a:rPr lang="en-US" dirty="0"/>
+              <a:t>Background noise</a:t>
+            </a:r>
+          </a:p>
         </p:txBody>
       </p:sp>
       <p:sp>
@@ -6825,6 +7694,1440 @@
               <a:t>5</a:t>
             </a:fld>
             <a:endParaRPr lang="en-US"/>
+          </a:p>
+        </p:txBody>
+      </p:sp>
+      <p:sp>
+        <p:nvSpPr>
+          <p:cNvPr id="6" name="Content Placeholder 2">
+            <a:extLst>
+              <a:ext uri="{FF2B5EF4-FFF2-40B4-BE49-F238E27FC236}">
+                <a16:creationId xmlns:a16="http://schemas.microsoft.com/office/drawing/2014/main" id="{1F7D721B-A041-4D30-B497-B713D3C909BF}"/>
+              </a:ext>
+            </a:extLst>
+          </p:cNvPr>
+          <p:cNvSpPr txBox="1">
+            <a:spLocks/>
+          </p:cNvSpPr>
+          <p:nvPr/>
+        </p:nvSpPr>
+        <p:spPr>
+          <a:xfrm>
+            <a:off x="4261607" y="1560352"/>
+            <a:ext cx="7617204" cy="4795997"/>
+          </a:xfrm>
+          <a:prstGeom prst="rect">
+            <a:avLst/>
+          </a:prstGeom>
+          <a:solidFill>
+            <a:schemeClr val="tx1">
+              <a:lumMod val="85000"/>
+              <a:lumOff val="15000"/>
+            </a:schemeClr>
+          </a:solidFill>
+        </p:spPr>
+        <p:txBody>
+          <a:bodyPr vert="horz" lIns="91440" tIns="45720" rIns="91440" bIns="45720" rtlCol="0">
+            <a:normAutofit fontScale="47500" lnSpcReduction="20000"/>
+          </a:bodyPr>
+          <a:lstStyle>
+            <a:lvl1pPr marL="228600" indent="-228600" algn="l" defTabSz="914400" rtl="0" eaLnBrk="1" latinLnBrk="0" hangingPunct="1">
+              <a:lnSpc>
+                <a:spcPct val="90000"/>
+              </a:lnSpc>
+              <a:spcBef>
+                <a:spcPts val="1000"/>
+              </a:spcBef>
+              <a:buFont typeface="Arial" panose="020B0604020202020204" pitchFamily="34" charset="0"/>
+              <a:buChar char="•"/>
+              <a:defRPr sz="2800" kern="1200">
+                <a:solidFill>
+                  <a:schemeClr val="tx1"/>
+                </a:solidFill>
+                <a:latin typeface="+mn-lt"/>
+                <a:ea typeface="+mn-ea"/>
+                <a:cs typeface="+mn-cs"/>
+              </a:defRPr>
+            </a:lvl1pPr>
+            <a:lvl2pPr marL="685800" indent="-228600" algn="l" defTabSz="914400" rtl="0" eaLnBrk="1" latinLnBrk="0" hangingPunct="1">
+              <a:lnSpc>
+                <a:spcPct val="90000"/>
+              </a:lnSpc>
+              <a:spcBef>
+                <a:spcPts val="500"/>
+              </a:spcBef>
+              <a:buFont typeface="Arial" panose="020B0604020202020204" pitchFamily="34" charset="0"/>
+              <a:buChar char="•"/>
+              <a:defRPr sz="2400" kern="1200">
+                <a:solidFill>
+                  <a:schemeClr val="tx1"/>
+                </a:solidFill>
+                <a:latin typeface="+mn-lt"/>
+                <a:ea typeface="+mn-ea"/>
+                <a:cs typeface="+mn-cs"/>
+              </a:defRPr>
+            </a:lvl2pPr>
+            <a:lvl3pPr marL="1143000" indent="-228600" algn="l" defTabSz="914400" rtl="0" eaLnBrk="1" latinLnBrk="0" hangingPunct="1">
+              <a:lnSpc>
+                <a:spcPct val="90000"/>
+              </a:lnSpc>
+              <a:spcBef>
+                <a:spcPts val="500"/>
+              </a:spcBef>
+              <a:buFont typeface="Arial" panose="020B0604020202020204" pitchFamily="34" charset="0"/>
+              <a:buChar char="•"/>
+              <a:defRPr sz="2000" kern="1200">
+                <a:solidFill>
+                  <a:schemeClr val="tx1"/>
+                </a:solidFill>
+                <a:latin typeface="+mn-lt"/>
+                <a:ea typeface="+mn-ea"/>
+                <a:cs typeface="+mn-cs"/>
+              </a:defRPr>
+            </a:lvl3pPr>
+            <a:lvl4pPr marL="1600200" indent="-228600" algn="l" defTabSz="914400" rtl="0" eaLnBrk="1" latinLnBrk="0" hangingPunct="1">
+              <a:lnSpc>
+                <a:spcPct val="90000"/>
+              </a:lnSpc>
+              <a:spcBef>
+                <a:spcPts val="500"/>
+              </a:spcBef>
+              <a:buFont typeface="Arial" panose="020B0604020202020204" pitchFamily="34" charset="0"/>
+              <a:buChar char="•"/>
+              <a:defRPr sz="1800" kern="1200">
+                <a:solidFill>
+                  <a:schemeClr val="tx1"/>
+                </a:solidFill>
+                <a:latin typeface="+mn-lt"/>
+                <a:ea typeface="+mn-ea"/>
+                <a:cs typeface="+mn-cs"/>
+              </a:defRPr>
+            </a:lvl4pPr>
+            <a:lvl5pPr marL="2057400" indent="-228600" algn="l" defTabSz="914400" rtl="0" eaLnBrk="1" latinLnBrk="0" hangingPunct="1">
+              <a:lnSpc>
+                <a:spcPct val="90000"/>
+              </a:lnSpc>
+              <a:spcBef>
+                <a:spcPts val="500"/>
+              </a:spcBef>
+              <a:buFont typeface="Arial" panose="020B0604020202020204" pitchFamily="34" charset="0"/>
+              <a:buChar char="•"/>
+              <a:defRPr sz="1800" kern="1200">
+                <a:solidFill>
+                  <a:schemeClr val="tx1"/>
+                </a:solidFill>
+                <a:latin typeface="+mn-lt"/>
+                <a:ea typeface="+mn-ea"/>
+                <a:cs typeface="+mn-cs"/>
+              </a:defRPr>
+            </a:lvl5pPr>
+            <a:lvl6pPr marL="2514600" indent="-228600" algn="l" defTabSz="914400" rtl="0" eaLnBrk="1" latinLnBrk="0" hangingPunct="1">
+              <a:lnSpc>
+                <a:spcPct val="90000"/>
+              </a:lnSpc>
+              <a:spcBef>
+                <a:spcPts val="500"/>
+              </a:spcBef>
+              <a:buFont typeface="Arial" panose="020B0604020202020204" pitchFamily="34" charset="0"/>
+              <a:buChar char="•"/>
+              <a:defRPr sz="1800" kern="1200">
+                <a:solidFill>
+                  <a:schemeClr val="tx1"/>
+                </a:solidFill>
+                <a:latin typeface="+mn-lt"/>
+                <a:ea typeface="+mn-ea"/>
+                <a:cs typeface="+mn-cs"/>
+              </a:defRPr>
+            </a:lvl6pPr>
+            <a:lvl7pPr marL="2971800" indent="-228600" algn="l" defTabSz="914400" rtl="0" eaLnBrk="1" latinLnBrk="0" hangingPunct="1">
+              <a:lnSpc>
+                <a:spcPct val="90000"/>
+              </a:lnSpc>
+              <a:spcBef>
+                <a:spcPts val="500"/>
+              </a:spcBef>
+              <a:buFont typeface="Arial" panose="020B0604020202020204" pitchFamily="34" charset="0"/>
+              <a:buChar char="•"/>
+              <a:defRPr sz="1800" kern="1200">
+                <a:solidFill>
+                  <a:schemeClr val="tx1"/>
+                </a:solidFill>
+                <a:latin typeface="+mn-lt"/>
+                <a:ea typeface="+mn-ea"/>
+                <a:cs typeface="+mn-cs"/>
+              </a:defRPr>
+            </a:lvl7pPr>
+            <a:lvl8pPr marL="3429000" indent="-228600" algn="l" defTabSz="914400" rtl="0" eaLnBrk="1" latinLnBrk="0" hangingPunct="1">
+              <a:lnSpc>
+                <a:spcPct val="90000"/>
+              </a:lnSpc>
+              <a:spcBef>
+                <a:spcPts val="500"/>
+              </a:spcBef>
+              <a:buFont typeface="Arial" panose="020B0604020202020204" pitchFamily="34" charset="0"/>
+              <a:buChar char="•"/>
+              <a:defRPr sz="1800" kern="1200">
+                <a:solidFill>
+                  <a:schemeClr val="tx1"/>
+                </a:solidFill>
+                <a:latin typeface="+mn-lt"/>
+                <a:ea typeface="+mn-ea"/>
+                <a:cs typeface="+mn-cs"/>
+              </a:defRPr>
+            </a:lvl8pPr>
+            <a:lvl9pPr marL="3886200" indent="-228600" algn="l" defTabSz="914400" rtl="0" eaLnBrk="1" latinLnBrk="0" hangingPunct="1">
+              <a:lnSpc>
+                <a:spcPct val="90000"/>
+              </a:lnSpc>
+              <a:spcBef>
+                <a:spcPts val="500"/>
+              </a:spcBef>
+              <a:buFont typeface="Arial" panose="020B0604020202020204" pitchFamily="34" charset="0"/>
+              <a:buChar char="•"/>
+              <a:defRPr sz="1800" kern="1200">
+                <a:solidFill>
+                  <a:schemeClr val="tx1"/>
+                </a:solidFill>
+                <a:latin typeface="+mn-lt"/>
+                <a:ea typeface="+mn-ea"/>
+                <a:cs typeface="+mn-cs"/>
+              </a:defRPr>
+            </a:lvl9pPr>
+          </a:lstStyle>
+          <a:p>
+            <a:pPr marL="0" indent="0">
+              <a:buFont typeface="Arial" panose="020B0604020202020204" pitchFamily="34" charset="0"/>
+              <a:buNone/>
+            </a:pPr>
+            <a:r>
+              <a:rPr lang="en-US" dirty="0">
+                <a:solidFill>
+                  <a:schemeClr val="accent1"/>
+                </a:solidFill>
+                <a:latin typeface="Share Tech Mono" panose="020B0509050000020004" pitchFamily="49" charset="0"/>
+              </a:rPr>
+              <a:t>  </a:t>
+            </a:r>
+            <a:r>
+              <a:rPr lang="en-US" dirty="0">
+                <a:solidFill>
+                  <a:schemeClr val="bg2">
+                    <a:lumMod val="50000"/>
+                  </a:schemeClr>
+                </a:solidFill>
+                <a:latin typeface="Share Tech Mono" panose="020B0509050000020004" pitchFamily="49" charset="0"/>
+              </a:rPr>
+              <a:t>1</a:t>
+            </a:r>
+            <a:r>
+              <a:rPr lang="en-US" dirty="0">
+                <a:solidFill>
+                  <a:schemeClr val="bg1"/>
+                </a:solidFill>
+                <a:latin typeface="Share Tech Mono" panose="020B0509050000020004" pitchFamily="49" charset="0"/>
+              </a:rPr>
+              <a:t>| </a:t>
+            </a:r>
+            <a:r>
+              <a:rPr lang="en-US" dirty="0">
+                <a:solidFill>
+                  <a:schemeClr val="accent6"/>
+                </a:solidFill>
+                <a:latin typeface="Share Tech Mono" panose="020B0509050000020004" pitchFamily="49" charset="0"/>
+              </a:rPr>
+              <a:t># “Hello, world” in x86 GAS syntax for 64-bit Linux</a:t>
+            </a:r>
+          </a:p>
+          <a:p>
+            <a:pPr marL="0" indent="0">
+              <a:buNone/>
+            </a:pPr>
+            <a:r>
+              <a:rPr lang="en-US" dirty="0">
+                <a:solidFill>
+                  <a:schemeClr val="accent1"/>
+                </a:solidFill>
+                <a:latin typeface="Share Tech Mono" panose="020B0509050000020004" pitchFamily="49" charset="0"/>
+              </a:rPr>
+              <a:t>  </a:t>
+            </a:r>
+            <a:r>
+              <a:rPr lang="en-US" dirty="0">
+                <a:solidFill>
+                  <a:schemeClr val="bg2">
+                    <a:lumMod val="50000"/>
+                  </a:schemeClr>
+                </a:solidFill>
+                <a:latin typeface="Share Tech Mono" panose="020B0509050000020004" pitchFamily="49" charset="0"/>
+              </a:rPr>
+              <a:t>2</a:t>
+            </a:r>
+            <a:r>
+              <a:rPr lang="en-US" dirty="0">
+                <a:solidFill>
+                  <a:schemeClr val="bg1"/>
+                </a:solidFill>
+                <a:latin typeface="Share Tech Mono" panose="020B0509050000020004" pitchFamily="49" charset="0"/>
+              </a:rPr>
+              <a:t>|         </a:t>
+            </a:r>
+            <a:r>
+              <a:rPr lang="en-US" dirty="0">
+                <a:solidFill>
+                  <a:srgbClr val="FFC000"/>
+                </a:solidFill>
+                <a:latin typeface="Share Tech Mono" panose="020B0509050000020004" pitchFamily="49" charset="0"/>
+              </a:rPr>
+              <a:t>.global </a:t>
+            </a:r>
+            <a:r>
+              <a:rPr lang="en-US" dirty="0">
+                <a:solidFill>
+                  <a:schemeClr val="bg1"/>
+                </a:solidFill>
+                <a:latin typeface="Share Tech Mono" panose="020B0509050000020004" pitchFamily="49" charset="0"/>
+              </a:rPr>
+              <a:t>_start</a:t>
+            </a:r>
+          </a:p>
+          <a:p>
+            <a:pPr marL="0" indent="0">
+              <a:buFont typeface="Arial" panose="020B0604020202020204" pitchFamily="34" charset="0"/>
+              <a:buNone/>
+            </a:pPr>
+            <a:r>
+              <a:rPr lang="en-US" dirty="0">
+                <a:solidFill>
+                  <a:schemeClr val="accent1"/>
+                </a:solidFill>
+                <a:latin typeface="Share Tech Mono" panose="020B0509050000020004" pitchFamily="49" charset="0"/>
+              </a:rPr>
+              <a:t>  </a:t>
+            </a:r>
+            <a:r>
+              <a:rPr lang="en-US" dirty="0">
+                <a:solidFill>
+                  <a:schemeClr val="bg2">
+                    <a:lumMod val="50000"/>
+                  </a:schemeClr>
+                </a:solidFill>
+                <a:latin typeface="Share Tech Mono" panose="020B0509050000020004" pitchFamily="49" charset="0"/>
+              </a:rPr>
+              <a:t>3</a:t>
+            </a:r>
+            <a:r>
+              <a:rPr lang="en-US" dirty="0">
+                <a:solidFill>
+                  <a:schemeClr val="bg1"/>
+                </a:solidFill>
+                <a:latin typeface="Share Tech Mono" panose="020B0509050000020004" pitchFamily="49" charset="0"/>
+              </a:rPr>
+              <a:t>|         </a:t>
+            </a:r>
+            <a:r>
+              <a:rPr lang="en-US" dirty="0">
+                <a:solidFill>
+                  <a:srgbClr val="FFC000"/>
+                </a:solidFill>
+                <a:latin typeface="Share Tech Mono" panose="020B0509050000020004" pitchFamily="49" charset="0"/>
+              </a:rPr>
+              <a:t>.text</a:t>
+            </a:r>
+          </a:p>
+          <a:p>
+            <a:pPr marL="0" indent="0">
+              <a:buFont typeface="Arial" panose="020B0604020202020204" pitchFamily="34" charset="0"/>
+              <a:buNone/>
+            </a:pPr>
+            <a:r>
+              <a:rPr lang="en-US" dirty="0">
+                <a:solidFill>
+                  <a:schemeClr val="accent1"/>
+                </a:solidFill>
+                <a:latin typeface="Share Tech Mono" panose="020B0509050000020004" pitchFamily="49" charset="0"/>
+              </a:rPr>
+              <a:t>  </a:t>
+            </a:r>
+            <a:r>
+              <a:rPr lang="en-US" dirty="0">
+                <a:solidFill>
+                  <a:schemeClr val="bg2">
+                    <a:lumMod val="50000"/>
+                  </a:schemeClr>
+                </a:solidFill>
+                <a:latin typeface="Share Tech Mono" panose="020B0509050000020004" pitchFamily="49" charset="0"/>
+              </a:rPr>
+              <a:t>4</a:t>
+            </a:r>
+            <a:r>
+              <a:rPr lang="en-US" dirty="0">
+                <a:solidFill>
+                  <a:schemeClr val="bg1"/>
+                </a:solidFill>
+                <a:latin typeface="Share Tech Mono" panose="020B0509050000020004" pitchFamily="49" charset="0"/>
+              </a:rPr>
+              <a:t>| _start:</a:t>
+            </a:r>
+          </a:p>
+          <a:p>
+            <a:pPr marL="0" indent="0">
+              <a:buFont typeface="Arial" panose="020B0604020202020204" pitchFamily="34" charset="0"/>
+              <a:buNone/>
+            </a:pPr>
+            <a:r>
+              <a:rPr lang="en-US" dirty="0">
+                <a:solidFill>
+                  <a:schemeClr val="accent1"/>
+                </a:solidFill>
+                <a:latin typeface="Share Tech Mono" panose="020B0509050000020004" pitchFamily="49" charset="0"/>
+              </a:rPr>
+              <a:t>  </a:t>
+            </a:r>
+            <a:r>
+              <a:rPr lang="en-US" dirty="0">
+                <a:solidFill>
+                  <a:schemeClr val="bg2">
+                    <a:lumMod val="50000"/>
+                  </a:schemeClr>
+                </a:solidFill>
+                <a:latin typeface="Share Tech Mono" panose="020B0509050000020004" pitchFamily="49" charset="0"/>
+              </a:rPr>
+              <a:t>5</a:t>
+            </a:r>
+            <a:r>
+              <a:rPr lang="en-US" dirty="0">
+                <a:solidFill>
+                  <a:schemeClr val="bg1"/>
+                </a:solidFill>
+                <a:latin typeface="Share Tech Mono" panose="020B0509050000020004" pitchFamily="49" charset="0"/>
+              </a:rPr>
+              <a:t>|         </a:t>
+            </a:r>
+            <a:r>
+              <a:rPr lang="en-US" dirty="0">
+                <a:solidFill>
+                  <a:schemeClr val="accent6"/>
+                </a:solidFill>
+                <a:latin typeface="Share Tech Mono" panose="020B0509050000020004" pitchFamily="49" charset="0"/>
+              </a:rPr>
+              <a:t># write(1, message, 13)</a:t>
+            </a:r>
+          </a:p>
+          <a:p>
+            <a:pPr marL="0" indent="0">
+              <a:buFont typeface="Arial" panose="020B0604020202020204" pitchFamily="34" charset="0"/>
+              <a:buNone/>
+            </a:pPr>
+            <a:r>
+              <a:rPr lang="en-US" dirty="0">
+                <a:solidFill>
+                  <a:schemeClr val="accent1"/>
+                </a:solidFill>
+                <a:latin typeface="Share Tech Mono" panose="020B0509050000020004" pitchFamily="49" charset="0"/>
+              </a:rPr>
+              <a:t>  </a:t>
+            </a:r>
+            <a:r>
+              <a:rPr lang="en-US" dirty="0">
+                <a:solidFill>
+                  <a:schemeClr val="bg2">
+                    <a:lumMod val="50000"/>
+                  </a:schemeClr>
+                </a:solidFill>
+                <a:latin typeface="Share Tech Mono" panose="020B0509050000020004" pitchFamily="49" charset="0"/>
+              </a:rPr>
+              <a:t>6</a:t>
+            </a:r>
+            <a:r>
+              <a:rPr lang="en-US" dirty="0">
+                <a:solidFill>
+                  <a:schemeClr val="bg1"/>
+                </a:solidFill>
+                <a:latin typeface="Share Tech Mono" panose="020B0509050000020004" pitchFamily="49" charset="0"/>
+              </a:rPr>
+              <a:t>|         </a:t>
+            </a:r>
+            <a:r>
+              <a:rPr lang="en-US" dirty="0">
+                <a:solidFill>
+                  <a:schemeClr val="accent1"/>
+                </a:solidFill>
+                <a:latin typeface="Share Tech Mono" panose="020B0509050000020004" pitchFamily="49" charset="0"/>
+              </a:rPr>
+              <a:t>mov</a:t>
+            </a:r>
+            <a:r>
+              <a:rPr lang="en-US" dirty="0">
+                <a:solidFill>
+                  <a:schemeClr val="bg1"/>
+                </a:solidFill>
+                <a:latin typeface="Share Tech Mono" panose="020B0509050000020004" pitchFamily="49" charset="0"/>
+              </a:rPr>
+              <a:t>     </a:t>
+            </a:r>
+            <a:r>
+              <a:rPr lang="en-US" dirty="0">
+                <a:solidFill>
+                  <a:srgbClr val="CC00FF"/>
+                </a:solidFill>
+                <a:latin typeface="Share Tech Mono" panose="020B0509050000020004" pitchFamily="49" charset="0"/>
+              </a:rPr>
+              <a:t>$1</a:t>
+            </a:r>
+            <a:r>
+              <a:rPr lang="en-US" dirty="0">
+                <a:solidFill>
+                  <a:schemeClr val="bg1"/>
+                </a:solidFill>
+                <a:latin typeface="Share Tech Mono" panose="020B0509050000020004" pitchFamily="49" charset="0"/>
+              </a:rPr>
+              <a:t>, </a:t>
+            </a:r>
+            <a:r>
+              <a:rPr lang="en-US" dirty="0">
+                <a:solidFill>
+                  <a:schemeClr val="accent2"/>
+                </a:solidFill>
+                <a:latin typeface="Share Tech Mono" panose="020B0509050000020004" pitchFamily="49" charset="0"/>
+              </a:rPr>
+              <a:t>%</a:t>
+            </a:r>
+            <a:r>
+              <a:rPr lang="en-US" dirty="0" err="1">
+                <a:solidFill>
+                  <a:schemeClr val="accent2"/>
+                </a:solidFill>
+                <a:latin typeface="Share Tech Mono" panose="020B0509050000020004" pitchFamily="49" charset="0"/>
+              </a:rPr>
+              <a:t>rax</a:t>
+            </a:r>
+            <a:r>
+              <a:rPr lang="en-US" dirty="0">
+                <a:solidFill>
+                  <a:schemeClr val="bg1"/>
+                </a:solidFill>
+                <a:latin typeface="Share Tech Mono" panose="020B0509050000020004" pitchFamily="49" charset="0"/>
+              </a:rPr>
+              <a:t>            </a:t>
+            </a:r>
+            <a:r>
+              <a:rPr lang="en-US" dirty="0">
+                <a:solidFill>
+                  <a:schemeClr val="accent6"/>
+                </a:solidFill>
+                <a:latin typeface="Share Tech Mono" panose="020B0509050000020004" pitchFamily="49" charset="0"/>
+              </a:rPr>
+              <a:t># system call 1 is write</a:t>
+            </a:r>
+          </a:p>
+          <a:p>
+            <a:pPr marL="0" indent="0">
+              <a:buFont typeface="Arial" panose="020B0604020202020204" pitchFamily="34" charset="0"/>
+              <a:buNone/>
+            </a:pPr>
+            <a:r>
+              <a:rPr lang="en-US" dirty="0">
+                <a:solidFill>
+                  <a:schemeClr val="accent1"/>
+                </a:solidFill>
+                <a:latin typeface="Share Tech Mono" panose="020B0509050000020004" pitchFamily="49" charset="0"/>
+              </a:rPr>
+              <a:t>  </a:t>
+            </a:r>
+            <a:r>
+              <a:rPr lang="en-US" dirty="0">
+                <a:solidFill>
+                  <a:schemeClr val="bg2">
+                    <a:lumMod val="50000"/>
+                  </a:schemeClr>
+                </a:solidFill>
+                <a:latin typeface="Share Tech Mono" panose="020B0509050000020004" pitchFamily="49" charset="0"/>
+              </a:rPr>
+              <a:t>7</a:t>
+            </a:r>
+            <a:r>
+              <a:rPr lang="en-US" dirty="0">
+                <a:solidFill>
+                  <a:schemeClr val="bg1"/>
+                </a:solidFill>
+                <a:latin typeface="Share Tech Mono" panose="020B0509050000020004" pitchFamily="49" charset="0"/>
+              </a:rPr>
+              <a:t>|         </a:t>
+            </a:r>
+            <a:r>
+              <a:rPr lang="en-US" dirty="0">
+                <a:solidFill>
+                  <a:schemeClr val="accent1"/>
+                </a:solidFill>
+                <a:latin typeface="Share Tech Mono" panose="020B0509050000020004" pitchFamily="49" charset="0"/>
+              </a:rPr>
+              <a:t>mov</a:t>
+            </a:r>
+            <a:r>
+              <a:rPr lang="en-US" dirty="0">
+                <a:solidFill>
+                  <a:schemeClr val="bg1"/>
+                </a:solidFill>
+                <a:latin typeface="Share Tech Mono" panose="020B0509050000020004" pitchFamily="49" charset="0"/>
+              </a:rPr>
+              <a:t>     </a:t>
+            </a:r>
+            <a:r>
+              <a:rPr lang="en-US" dirty="0">
+                <a:solidFill>
+                  <a:srgbClr val="CC00FF"/>
+                </a:solidFill>
+                <a:latin typeface="Share Tech Mono" panose="020B0509050000020004" pitchFamily="49" charset="0"/>
+              </a:rPr>
+              <a:t>$1</a:t>
+            </a:r>
+            <a:r>
+              <a:rPr lang="en-US" dirty="0">
+                <a:solidFill>
+                  <a:schemeClr val="bg1"/>
+                </a:solidFill>
+                <a:latin typeface="Share Tech Mono" panose="020B0509050000020004" pitchFamily="49" charset="0"/>
+              </a:rPr>
+              <a:t>, </a:t>
+            </a:r>
+            <a:r>
+              <a:rPr lang="en-US" dirty="0">
+                <a:solidFill>
+                  <a:schemeClr val="accent2"/>
+                </a:solidFill>
+                <a:latin typeface="Share Tech Mono" panose="020B0509050000020004" pitchFamily="49" charset="0"/>
+              </a:rPr>
+              <a:t>%</a:t>
+            </a:r>
+            <a:r>
+              <a:rPr lang="en-US" dirty="0" err="1">
+                <a:solidFill>
+                  <a:schemeClr val="accent2"/>
+                </a:solidFill>
+                <a:latin typeface="Share Tech Mono" panose="020B0509050000020004" pitchFamily="49" charset="0"/>
+              </a:rPr>
+              <a:t>rdi</a:t>
+            </a:r>
+            <a:r>
+              <a:rPr lang="en-US" dirty="0">
+                <a:solidFill>
+                  <a:schemeClr val="bg1"/>
+                </a:solidFill>
+                <a:latin typeface="Share Tech Mono" panose="020B0509050000020004" pitchFamily="49" charset="0"/>
+              </a:rPr>
+              <a:t>            </a:t>
+            </a:r>
+            <a:r>
+              <a:rPr lang="en-US" dirty="0">
+                <a:solidFill>
+                  <a:schemeClr val="accent6"/>
+                </a:solidFill>
+                <a:latin typeface="Share Tech Mono" panose="020B0509050000020004" pitchFamily="49" charset="0"/>
+              </a:rPr>
+              <a:t># file handle 1 is </a:t>
+            </a:r>
+            <a:r>
+              <a:rPr lang="en-US" dirty="0" err="1">
+                <a:solidFill>
+                  <a:schemeClr val="accent6"/>
+                </a:solidFill>
+                <a:latin typeface="Share Tech Mono" panose="020B0509050000020004" pitchFamily="49" charset="0"/>
+              </a:rPr>
+              <a:t>stdout</a:t>
+            </a:r>
+            <a:endParaRPr lang="en-US" dirty="0">
+              <a:solidFill>
+                <a:schemeClr val="accent6"/>
+              </a:solidFill>
+              <a:latin typeface="Share Tech Mono" panose="020B0509050000020004" pitchFamily="49" charset="0"/>
+            </a:endParaRPr>
+          </a:p>
+          <a:p>
+            <a:pPr marL="0" indent="0">
+              <a:buFont typeface="Arial" panose="020B0604020202020204" pitchFamily="34" charset="0"/>
+              <a:buNone/>
+            </a:pPr>
+            <a:r>
+              <a:rPr lang="en-US" dirty="0">
+                <a:solidFill>
+                  <a:schemeClr val="accent1"/>
+                </a:solidFill>
+                <a:latin typeface="Share Tech Mono" panose="020B0509050000020004" pitchFamily="49" charset="0"/>
+              </a:rPr>
+              <a:t>  </a:t>
+            </a:r>
+            <a:r>
+              <a:rPr lang="en-US" dirty="0">
+                <a:solidFill>
+                  <a:schemeClr val="bg2">
+                    <a:lumMod val="50000"/>
+                  </a:schemeClr>
+                </a:solidFill>
+                <a:latin typeface="Share Tech Mono" panose="020B0509050000020004" pitchFamily="49" charset="0"/>
+              </a:rPr>
+              <a:t>8</a:t>
+            </a:r>
+            <a:r>
+              <a:rPr lang="en-US" dirty="0">
+                <a:solidFill>
+                  <a:schemeClr val="bg1"/>
+                </a:solidFill>
+                <a:latin typeface="Share Tech Mono" panose="020B0509050000020004" pitchFamily="49" charset="0"/>
+              </a:rPr>
+              <a:t>|         </a:t>
+            </a:r>
+            <a:r>
+              <a:rPr lang="en-US" dirty="0">
+                <a:solidFill>
+                  <a:schemeClr val="accent1"/>
+                </a:solidFill>
+                <a:latin typeface="Share Tech Mono" panose="020B0509050000020004" pitchFamily="49" charset="0"/>
+              </a:rPr>
+              <a:t>mov</a:t>
+            </a:r>
+            <a:r>
+              <a:rPr lang="en-US" dirty="0">
+                <a:solidFill>
+                  <a:schemeClr val="bg1"/>
+                </a:solidFill>
+                <a:latin typeface="Share Tech Mono" panose="020B0509050000020004" pitchFamily="49" charset="0"/>
+              </a:rPr>
+              <a:t>     </a:t>
+            </a:r>
+            <a:r>
+              <a:rPr lang="en-US" dirty="0">
+                <a:solidFill>
+                  <a:srgbClr val="CC00FF"/>
+                </a:solidFill>
+                <a:latin typeface="Share Tech Mono" panose="020B0509050000020004" pitchFamily="49" charset="0"/>
+              </a:rPr>
+              <a:t>$message</a:t>
+            </a:r>
+            <a:r>
+              <a:rPr lang="en-US" dirty="0">
+                <a:solidFill>
+                  <a:schemeClr val="bg1"/>
+                </a:solidFill>
+                <a:latin typeface="Share Tech Mono" panose="020B0509050000020004" pitchFamily="49" charset="0"/>
+              </a:rPr>
+              <a:t>, </a:t>
+            </a:r>
+            <a:r>
+              <a:rPr lang="en-US" dirty="0">
+                <a:solidFill>
+                  <a:schemeClr val="accent2"/>
+                </a:solidFill>
+                <a:latin typeface="Share Tech Mono" panose="020B0509050000020004" pitchFamily="49" charset="0"/>
+              </a:rPr>
+              <a:t>%</a:t>
+            </a:r>
+            <a:r>
+              <a:rPr lang="en-US" dirty="0" err="1">
+                <a:solidFill>
+                  <a:schemeClr val="accent2"/>
+                </a:solidFill>
+                <a:latin typeface="Share Tech Mono" panose="020B0509050000020004" pitchFamily="49" charset="0"/>
+              </a:rPr>
+              <a:t>rsi</a:t>
+            </a:r>
+            <a:r>
+              <a:rPr lang="en-US" dirty="0">
+                <a:solidFill>
+                  <a:schemeClr val="bg1"/>
+                </a:solidFill>
+                <a:latin typeface="Share Tech Mono" panose="020B0509050000020004" pitchFamily="49" charset="0"/>
+              </a:rPr>
+              <a:t>      </a:t>
+            </a:r>
+            <a:r>
+              <a:rPr lang="en-US" dirty="0">
+                <a:solidFill>
+                  <a:schemeClr val="accent6"/>
+                </a:solidFill>
+                <a:latin typeface="Share Tech Mono" panose="020B0509050000020004" pitchFamily="49" charset="0"/>
+              </a:rPr>
+              <a:t># address of string to output</a:t>
+            </a:r>
+          </a:p>
+          <a:p>
+            <a:pPr marL="0" indent="0">
+              <a:buFont typeface="Arial" panose="020B0604020202020204" pitchFamily="34" charset="0"/>
+              <a:buNone/>
+            </a:pPr>
+            <a:r>
+              <a:rPr lang="en-US" dirty="0">
+                <a:solidFill>
+                  <a:schemeClr val="accent1"/>
+                </a:solidFill>
+                <a:latin typeface="Share Tech Mono" panose="020B0509050000020004" pitchFamily="49" charset="0"/>
+              </a:rPr>
+              <a:t>  </a:t>
+            </a:r>
+            <a:r>
+              <a:rPr lang="en-US" dirty="0">
+                <a:solidFill>
+                  <a:schemeClr val="bg2">
+                    <a:lumMod val="50000"/>
+                  </a:schemeClr>
+                </a:solidFill>
+                <a:latin typeface="Share Tech Mono" panose="020B0509050000020004" pitchFamily="49" charset="0"/>
+              </a:rPr>
+              <a:t>9</a:t>
+            </a:r>
+            <a:r>
+              <a:rPr lang="en-US" dirty="0">
+                <a:solidFill>
+                  <a:schemeClr val="bg1"/>
+                </a:solidFill>
+                <a:latin typeface="Share Tech Mono" panose="020B0509050000020004" pitchFamily="49" charset="0"/>
+              </a:rPr>
+              <a:t>|         </a:t>
+            </a:r>
+            <a:r>
+              <a:rPr lang="en-US" dirty="0">
+                <a:solidFill>
+                  <a:schemeClr val="accent1"/>
+                </a:solidFill>
+                <a:latin typeface="Share Tech Mono" panose="020B0509050000020004" pitchFamily="49" charset="0"/>
+              </a:rPr>
+              <a:t>mov</a:t>
+            </a:r>
+            <a:r>
+              <a:rPr lang="en-US" dirty="0">
+                <a:solidFill>
+                  <a:schemeClr val="bg1"/>
+                </a:solidFill>
+                <a:latin typeface="Share Tech Mono" panose="020B0509050000020004" pitchFamily="49" charset="0"/>
+              </a:rPr>
+              <a:t>     </a:t>
+            </a:r>
+            <a:r>
+              <a:rPr lang="en-US" dirty="0">
+                <a:solidFill>
+                  <a:srgbClr val="CC00FF"/>
+                </a:solidFill>
+                <a:latin typeface="Share Tech Mono" panose="020B0509050000020004" pitchFamily="49" charset="0"/>
+              </a:rPr>
+              <a:t>$13</a:t>
+            </a:r>
+            <a:r>
+              <a:rPr lang="en-US" dirty="0">
+                <a:solidFill>
+                  <a:schemeClr val="bg1"/>
+                </a:solidFill>
+                <a:latin typeface="Share Tech Mono" panose="020B0509050000020004" pitchFamily="49" charset="0"/>
+              </a:rPr>
+              <a:t>, </a:t>
+            </a:r>
+            <a:r>
+              <a:rPr lang="en-US" dirty="0">
+                <a:solidFill>
+                  <a:schemeClr val="accent2"/>
+                </a:solidFill>
+                <a:latin typeface="Share Tech Mono" panose="020B0509050000020004" pitchFamily="49" charset="0"/>
+              </a:rPr>
+              <a:t>%</a:t>
+            </a:r>
+            <a:r>
+              <a:rPr lang="en-US" dirty="0" err="1">
+                <a:solidFill>
+                  <a:schemeClr val="accent2"/>
+                </a:solidFill>
+                <a:latin typeface="Share Tech Mono" panose="020B0509050000020004" pitchFamily="49" charset="0"/>
+              </a:rPr>
+              <a:t>rdx</a:t>
+            </a:r>
+            <a:r>
+              <a:rPr lang="en-US" dirty="0">
+                <a:solidFill>
+                  <a:schemeClr val="bg1"/>
+                </a:solidFill>
+                <a:latin typeface="Share Tech Mono" panose="020B0509050000020004" pitchFamily="49" charset="0"/>
+              </a:rPr>
+              <a:t>           </a:t>
+            </a:r>
+            <a:r>
+              <a:rPr lang="en-US" dirty="0">
+                <a:solidFill>
+                  <a:schemeClr val="accent6"/>
+                </a:solidFill>
+                <a:latin typeface="Share Tech Mono" panose="020B0509050000020004" pitchFamily="49" charset="0"/>
+              </a:rPr>
+              <a:t># number of bytes</a:t>
+            </a:r>
+          </a:p>
+          <a:p>
+            <a:pPr marL="0" indent="0">
+              <a:buFont typeface="Arial" panose="020B0604020202020204" pitchFamily="34" charset="0"/>
+              <a:buNone/>
+            </a:pPr>
+            <a:r>
+              <a:rPr lang="en-US" dirty="0">
+                <a:solidFill>
+                  <a:schemeClr val="accent1"/>
+                </a:solidFill>
+                <a:latin typeface="Share Tech Mono" panose="020B0509050000020004" pitchFamily="49" charset="0"/>
+              </a:rPr>
+              <a:t> </a:t>
+            </a:r>
+            <a:r>
+              <a:rPr lang="en-US" dirty="0">
+                <a:solidFill>
+                  <a:schemeClr val="bg2">
+                    <a:lumMod val="50000"/>
+                  </a:schemeClr>
+                </a:solidFill>
+                <a:latin typeface="Share Tech Mono" panose="020B0509050000020004" pitchFamily="49" charset="0"/>
+              </a:rPr>
+              <a:t>10</a:t>
+            </a:r>
+            <a:r>
+              <a:rPr lang="en-US" dirty="0">
+                <a:solidFill>
+                  <a:schemeClr val="bg1"/>
+                </a:solidFill>
+                <a:latin typeface="Share Tech Mono" panose="020B0509050000020004" pitchFamily="49" charset="0"/>
+              </a:rPr>
+              <a:t>|         </a:t>
+            </a:r>
+            <a:r>
+              <a:rPr lang="en-US" dirty="0" err="1">
+                <a:solidFill>
+                  <a:schemeClr val="accent1"/>
+                </a:solidFill>
+                <a:latin typeface="Share Tech Mono" panose="020B0509050000020004" pitchFamily="49" charset="0"/>
+              </a:rPr>
+              <a:t>syscall</a:t>
+            </a:r>
+            <a:r>
+              <a:rPr lang="en-US" dirty="0">
+                <a:solidFill>
+                  <a:schemeClr val="bg1"/>
+                </a:solidFill>
+                <a:latin typeface="Share Tech Mono" panose="020B0509050000020004" pitchFamily="49" charset="0"/>
+              </a:rPr>
+              <a:t>                     </a:t>
+            </a:r>
+            <a:r>
+              <a:rPr lang="en-US" dirty="0">
+                <a:solidFill>
+                  <a:schemeClr val="accent6"/>
+                </a:solidFill>
+                <a:latin typeface="Share Tech Mono" panose="020B0509050000020004" pitchFamily="49" charset="0"/>
+              </a:rPr>
+              <a:t># invoke operating system to do the write</a:t>
+            </a:r>
+          </a:p>
+          <a:p>
+            <a:pPr marL="0" indent="0">
+              <a:buFont typeface="Arial" panose="020B0604020202020204" pitchFamily="34" charset="0"/>
+              <a:buNone/>
+            </a:pPr>
+            <a:r>
+              <a:rPr lang="en-US" dirty="0">
+                <a:solidFill>
+                  <a:schemeClr val="accent1"/>
+                </a:solidFill>
+                <a:latin typeface="Share Tech Mono" panose="020B0509050000020004" pitchFamily="49" charset="0"/>
+              </a:rPr>
+              <a:t> </a:t>
+            </a:r>
+            <a:r>
+              <a:rPr lang="en-US" dirty="0">
+                <a:solidFill>
+                  <a:schemeClr val="bg2">
+                    <a:lumMod val="50000"/>
+                  </a:schemeClr>
+                </a:solidFill>
+                <a:latin typeface="Share Tech Mono" panose="020B0509050000020004" pitchFamily="49" charset="0"/>
+              </a:rPr>
+              <a:t>11</a:t>
+            </a:r>
+            <a:r>
+              <a:rPr lang="en-US" dirty="0">
+                <a:solidFill>
+                  <a:schemeClr val="bg1"/>
+                </a:solidFill>
+                <a:latin typeface="Share Tech Mono" panose="020B0509050000020004" pitchFamily="49" charset="0"/>
+              </a:rPr>
+              <a:t>| </a:t>
+            </a:r>
+          </a:p>
+          <a:p>
+            <a:pPr marL="0" indent="0">
+              <a:buFont typeface="Arial" panose="020B0604020202020204" pitchFamily="34" charset="0"/>
+              <a:buNone/>
+            </a:pPr>
+            <a:r>
+              <a:rPr lang="en-US" dirty="0">
+                <a:solidFill>
+                  <a:schemeClr val="accent1"/>
+                </a:solidFill>
+                <a:latin typeface="Share Tech Mono" panose="020B0509050000020004" pitchFamily="49" charset="0"/>
+              </a:rPr>
+              <a:t> </a:t>
+            </a:r>
+            <a:r>
+              <a:rPr lang="en-US" dirty="0">
+                <a:solidFill>
+                  <a:schemeClr val="bg2">
+                    <a:lumMod val="50000"/>
+                  </a:schemeClr>
+                </a:solidFill>
+                <a:latin typeface="Share Tech Mono" panose="020B0509050000020004" pitchFamily="49" charset="0"/>
+              </a:rPr>
+              <a:t>12</a:t>
+            </a:r>
+            <a:r>
+              <a:rPr lang="en-US" dirty="0">
+                <a:solidFill>
+                  <a:schemeClr val="bg1"/>
+                </a:solidFill>
+                <a:latin typeface="Share Tech Mono" panose="020B0509050000020004" pitchFamily="49" charset="0"/>
+              </a:rPr>
+              <a:t>|         </a:t>
+            </a:r>
+            <a:r>
+              <a:rPr lang="en-US" dirty="0">
+                <a:solidFill>
+                  <a:schemeClr val="accent6"/>
+                </a:solidFill>
+                <a:latin typeface="Share Tech Mono" panose="020B0509050000020004" pitchFamily="49" charset="0"/>
+              </a:rPr>
+              <a:t># exit(0)</a:t>
+            </a:r>
+          </a:p>
+          <a:p>
+            <a:pPr marL="0" indent="0">
+              <a:buFont typeface="Arial" panose="020B0604020202020204" pitchFamily="34" charset="0"/>
+              <a:buNone/>
+            </a:pPr>
+            <a:r>
+              <a:rPr lang="en-US" dirty="0">
+                <a:solidFill>
+                  <a:schemeClr val="accent1"/>
+                </a:solidFill>
+                <a:latin typeface="Share Tech Mono" panose="020B0509050000020004" pitchFamily="49" charset="0"/>
+              </a:rPr>
+              <a:t> </a:t>
+            </a:r>
+            <a:r>
+              <a:rPr lang="en-US" dirty="0">
+                <a:solidFill>
+                  <a:schemeClr val="bg2">
+                    <a:lumMod val="50000"/>
+                  </a:schemeClr>
+                </a:solidFill>
+                <a:latin typeface="Share Tech Mono" panose="020B0509050000020004" pitchFamily="49" charset="0"/>
+              </a:rPr>
+              <a:t>13</a:t>
+            </a:r>
+            <a:r>
+              <a:rPr lang="en-US" dirty="0">
+                <a:solidFill>
+                  <a:schemeClr val="bg1"/>
+                </a:solidFill>
+                <a:latin typeface="Share Tech Mono" panose="020B0509050000020004" pitchFamily="49" charset="0"/>
+              </a:rPr>
+              <a:t>|         </a:t>
+            </a:r>
+            <a:r>
+              <a:rPr lang="en-US" dirty="0">
+                <a:solidFill>
+                  <a:schemeClr val="accent1"/>
+                </a:solidFill>
+                <a:latin typeface="Share Tech Mono" panose="020B0509050000020004" pitchFamily="49" charset="0"/>
+              </a:rPr>
+              <a:t>mov</a:t>
+            </a:r>
+            <a:r>
+              <a:rPr lang="en-US" dirty="0">
+                <a:solidFill>
+                  <a:schemeClr val="bg1"/>
+                </a:solidFill>
+                <a:latin typeface="Share Tech Mono" panose="020B0509050000020004" pitchFamily="49" charset="0"/>
+              </a:rPr>
+              <a:t>     </a:t>
+            </a:r>
+            <a:r>
+              <a:rPr lang="en-US" dirty="0">
+                <a:solidFill>
+                  <a:srgbClr val="CC00FF"/>
+                </a:solidFill>
+                <a:latin typeface="Share Tech Mono" panose="020B0509050000020004" pitchFamily="49" charset="0"/>
+              </a:rPr>
+              <a:t>$60</a:t>
+            </a:r>
+            <a:r>
+              <a:rPr lang="en-US" dirty="0">
+                <a:solidFill>
+                  <a:schemeClr val="bg1"/>
+                </a:solidFill>
+                <a:latin typeface="Share Tech Mono" panose="020B0509050000020004" pitchFamily="49" charset="0"/>
+              </a:rPr>
+              <a:t>, </a:t>
+            </a:r>
+            <a:r>
+              <a:rPr lang="en-US" dirty="0">
+                <a:solidFill>
+                  <a:schemeClr val="accent2"/>
+                </a:solidFill>
+                <a:latin typeface="Share Tech Mono" panose="020B0509050000020004" pitchFamily="49" charset="0"/>
+              </a:rPr>
+              <a:t>%</a:t>
+            </a:r>
+            <a:r>
+              <a:rPr lang="en-US" dirty="0" err="1">
+                <a:solidFill>
+                  <a:schemeClr val="accent2"/>
+                </a:solidFill>
+                <a:latin typeface="Share Tech Mono" panose="020B0509050000020004" pitchFamily="49" charset="0"/>
+              </a:rPr>
+              <a:t>rax</a:t>
+            </a:r>
+            <a:r>
+              <a:rPr lang="en-US" dirty="0">
+                <a:solidFill>
+                  <a:schemeClr val="bg1"/>
+                </a:solidFill>
+                <a:latin typeface="Share Tech Mono" panose="020B0509050000020004" pitchFamily="49" charset="0"/>
+              </a:rPr>
+              <a:t>           </a:t>
+            </a:r>
+            <a:r>
+              <a:rPr lang="en-US" dirty="0">
+                <a:solidFill>
+                  <a:schemeClr val="accent6"/>
+                </a:solidFill>
+                <a:latin typeface="Share Tech Mono" panose="020B0509050000020004" pitchFamily="49" charset="0"/>
+              </a:rPr>
+              <a:t># system call 60 is exit</a:t>
+            </a:r>
+          </a:p>
+          <a:p>
+            <a:pPr marL="0" indent="0">
+              <a:buFont typeface="Arial" panose="020B0604020202020204" pitchFamily="34" charset="0"/>
+              <a:buNone/>
+            </a:pPr>
+            <a:r>
+              <a:rPr lang="en-US" dirty="0">
+                <a:solidFill>
+                  <a:schemeClr val="accent1"/>
+                </a:solidFill>
+                <a:latin typeface="Share Tech Mono" panose="020B0509050000020004" pitchFamily="49" charset="0"/>
+              </a:rPr>
+              <a:t> </a:t>
+            </a:r>
+            <a:r>
+              <a:rPr lang="en-US" dirty="0">
+                <a:solidFill>
+                  <a:schemeClr val="bg2">
+                    <a:lumMod val="50000"/>
+                  </a:schemeClr>
+                </a:solidFill>
+                <a:latin typeface="Share Tech Mono" panose="020B0509050000020004" pitchFamily="49" charset="0"/>
+              </a:rPr>
+              <a:t>14</a:t>
+            </a:r>
+            <a:r>
+              <a:rPr lang="en-US" dirty="0">
+                <a:solidFill>
+                  <a:schemeClr val="bg1"/>
+                </a:solidFill>
+                <a:latin typeface="Share Tech Mono" panose="020B0509050000020004" pitchFamily="49" charset="0"/>
+              </a:rPr>
+              <a:t>|         </a:t>
+            </a:r>
+            <a:r>
+              <a:rPr lang="en-US" dirty="0" err="1">
+                <a:solidFill>
+                  <a:schemeClr val="accent1"/>
+                </a:solidFill>
+                <a:latin typeface="Share Tech Mono" panose="020B0509050000020004" pitchFamily="49" charset="0"/>
+              </a:rPr>
+              <a:t>xor</a:t>
+            </a:r>
+            <a:r>
+              <a:rPr lang="en-US" dirty="0">
+                <a:solidFill>
+                  <a:schemeClr val="bg1"/>
+                </a:solidFill>
+                <a:latin typeface="Share Tech Mono" panose="020B0509050000020004" pitchFamily="49" charset="0"/>
+              </a:rPr>
+              <a:t>     </a:t>
+            </a:r>
+            <a:r>
+              <a:rPr lang="en-US" dirty="0">
+                <a:solidFill>
+                  <a:schemeClr val="accent2"/>
+                </a:solidFill>
+                <a:latin typeface="Share Tech Mono" panose="020B0509050000020004" pitchFamily="49" charset="0"/>
+              </a:rPr>
+              <a:t>%</a:t>
+            </a:r>
+            <a:r>
+              <a:rPr lang="en-US" dirty="0" err="1">
+                <a:solidFill>
+                  <a:schemeClr val="accent2"/>
+                </a:solidFill>
+                <a:latin typeface="Share Tech Mono" panose="020B0509050000020004" pitchFamily="49" charset="0"/>
+              </a:rPr>
+              <a:t>rdi</a:t>
+            </a:r>
+            <a:r>
+              <a:rPr lang="en-US" dirty="0">
+                <a:solidFill>
+                  <a:schemeClr val="bg1"/>
+                </a:solidFill>
+                <a:latin typeface="Share Tech Mono" panose="020B0509050000020004" pitchFamily="49" charset="0"/>
+              </a:rPr>
+              <a:t>, </a:t>
+            </a:r>
+            <a:r>
+              <a:rPr lang="en-US" dirty="0">
+                <a:solidFill>
+                  <a:schemeClr val="accent2"/>
+                </a:solidFill>
+                <a:latin typeface="Share Tech Mono" panose="020B0509050000020004" pitchFamily="49" charset="0"/>
+              </a:rPr>
+              <a:t>%</a:t>
+            </a:r>
+            <a:r>
+              <a:rPr lang="en-US" dirty="0" err="1">
+                <a:solidFill>
+                  <a:schemeClr val="accent2"/>
+                </a:solidFill>
+                <a:latin typeface="Share Tech Mono" panose="020B0509050000020004" pitchFamily="49" charset="0"/>
+              </a:rPr>
+              <a:t>rdi</a:t>
+            </a:r>
+            <a:r>
+              <a:rPr lang="en-US" dirty="0">
+                <a:solidFill>
+                  <a:schemeClr val="bg1"/>
+                </a:solidFill>
+                <a:latin typeface="Share Tech Mono" panose="020B0509050000020004" pitchFamily="49" charset="0"/>
+              </a:rPr>
+              <a:t>          </a:t>
+            </a:r>
+            <a:r>
+              <a:rPr lang="en-US" dirty="0">
+                <a:solidFill>
+                  <a:schemeClr val="accent6"/>
+                </a:solidFill>
+                <a:latin typeface="Share Tech Mono" panose="020B0509050000020004" pitchFamily="49" charset="0"/>
+              </a:rPr>
+              <a:t># we want return code 0</a:t>
+            </a:r>
+          </a:p>
+          <a:p>
+            <a:pPr marL="0" indent="0">
+              <a:buFont typeface="Arial" panose="020B0604020202020204" pitchFamily="34" charset="0"/>
+              <a:buNone/>
+            </a:pPr>
+            <a:r>
+              <a:rPr lang="en-US" dirty="0">
+                <a:solidFill>
+                  <a:schemeClr val="accent1"/>
+                </a:solidFill>
+                <a:latin typeface="Share Tech Mono" panose="020B0509050000020004" pitchFamily="49" charset="0"/>
+              </a:rPr>
+              <a:t> </a:t>
+            </a:r>
+            <a:r>
+              <a:rPr lang="en-US" dirty="0">
+                <a:solidFill>
+                  <a:schemeClr val="bg2">
+                    <a:lumMod val="50000"/>
+                  </a:schemeClr>
+                </a:solidFill>
+                <a:latin typeface="Share Tech Mono" panose="020B0509050000020004" pitchFamily="49" charset="0"/>
+              </a:rPr>
+              <a:t>15</a:t>
+            </a:r>
+            <a:r>
+              <a:rPr lang="en-US" dirty="0">
+                <a:solidFill>
+                  <a:schemeClr val="bg1"/>
+                </a:solidFill>
+                <a:latin typeface="Share Tech Mono" panose="020B0509050000020004" pitchFamily="49" charset="0"/>
+              </a:rPr>
+              <a:t>|         </a:t>
+            </a:r>
+            <a:r>
+              <a:rPr lang="en-US" dirty="0" err="1">
+                <a:solidFill>
+                  <a:schemeClr val="accent1"/>
+                </a:solidFill>
+                <a:latin typeface="Share Tech Mono" panose="020B0509050000020004" pitchFamily="49" charset="0"/>
+              </a:rPr>
+              <a:t>syscall</a:t>
+            </a:r>
+            <a:r>
+              <a:rPr lang="en-US" dirty="0">
+                <a:solidFill>
+                  <a:schemeClr val="bg1"/>
+                </a:solidFill>
+                <a:latin typeface="Share Tech Mono" panose="020B0509050000020004" pitchFamily="49" charset="0"/>
+              </a:rPr>
+              <a:t>                     </a:t>
+            </a:r>
+            <a:r>
+              <a:rPr lang="en-US" dirty="0">
+                <a:solidFill>
+                  <a:schemeClr val="accent6"/>
+                </a:solidFill>
+                <a:latin typeface="Share Tech Mono" panose="020B0509050000020004" pitchFamily="49" charset="0"/>
+              </a:rPr>
+              <a:t># invoke operating system to exit</a:t>
+            </a:r>
+          </a:p>
+          <a:p>
+            <a:pPr marL="0" indent="0">
+              <a:buFont typeface="Arial" panose="020B0604020202020204" pitchFamily="34" charset="0"/>
+              <a:buNone/>
+            </a:pPr>
+            <a:r>
+              <a:rPr lang="en-US" dirty="0">
+                <a:solidFill>
+                  <a:schemeClr val="accent6"/>
+                </a:solidFill>
+                <a:latin typeface="Share Tech Mono" panose="020B0509050000020004" pitchFamily="49" charset="0"/>
+              </a:rPr>
+              <a:t> </a:t>
+            </a:r>
+            <a:r>
+              <a:rPr lang="en-US" dirty="0">
+                <a:solidFill>
+                  <a:schemeClr val="bg2">
+                    <a:lumMod val="50000"/>
+                  </a:schemeClr>
+                </a:solidFill>
+                <a:latin typeface="Share Tech Mono" panose="020B0509050000020004" pitchFamily="49" charset="0"/>
+              </a:rPr>
+              <a:t>16</a:t>
+            </a:r>
+            <a:r>
+              <a:rPr lang="en-US" dirty="0">
+                <a:solidFill>
+                  <a:schemeClr val="bg1"/>
+                </a:solidFill>
+                <a:latin typeface="Share Tech Mono" panose="020B0509050000020004" pitchFamily="49" charset="0"/>
+              </a:rPr>
+              <a:t>|         </a:t>
+            </a:r>
+            <a:r>
+              <a:rPr lang="en-US" dirty="0">
+                <a:solidFill>
+                  <a:srgbClr val="FFC000"/>
+                </a:solidFill>
+                <a:latin typeface="Share Tech Mono" panose="020B0509050000020004" pitchFamily="49" charset="0"/>
+              </a:rPr>
+              <a:t>.data</a:t>
+            </a:r>
+            <a:endParaRPr lang="en-US" dirty="0">
+              <a:solidFill>
+                <a:schemeClr val="bg1"/>
+              </a:solidFill>
+              <a:latin typeface="Share Tech Mono" panose="020B0509050000020004" pitchFamily="49" charset="0"/>
+            </a:endParaRPr>
+          </a:p>
+          <a:p>
+            <a:pPr marL="0" indent="0">
+              <a:buFont typeface="Arial" panose="020B0604020202020204" pitchFamily="34" charset="0"/>
+              <a:buNone/>
+            </a:pPr>
+            <a:r>
+              <a:rPr lang="en-US" dirty="0">
+                <a:solidFill>
+                  <a:schemeClr val="accent1"/>
+                </a:solidFill>
+                <a:latin typeface="Share Tech Mono" panose="020B0509050000020004" pitchFamily="49" charset="0"/>
+              </a:rPr>
+              <a:t> </a:t>
+            </a:r>
+            <a:r>
+              <a:rPr lang="en-US" dirty="0">
+                <a:solidFill>
+                  <a:schemeClr val="bg2">
+                    <a:lumMod val="50000"/>
+                  </a:schemeClr>
+                </a:solidFill>
+                <a:latin typeface="Share Tech Mono" panose="020B0509050000020004" pitchFamily="49" charset="0"/>
+              </a:rPr>
+              <a:t>17</a:t>
+            </a:r>
+            <a:r>
+              <a:rPr lang="en-US" dirty="0">
+                <a:solidFill>
+                  <a:schemeClr val="bg1"/>
+                </a:solidFill>
+                <a:latin typeface="Share Tech Mono" panose="020B0509050000020004" pitchFamily="49" charset="0"/>
+              </a:rPr>
+              <a:t>| message:</a:t>
+            </a:r>
+          </a:p>
+          <a:p>
+            <a:pPr marL="0" indent="0">
+              <a:buFont typeface="Arial" panose="020B0604020202020204" pitchFamily="34" charset="0"/>
+              <a:buNone/>
+            </a:pPr>
+            <a:r>
+              <a:rPr lang="en-US" dirty="0">
+                <a:solidFill>
+                  <a:schemeClr val="accent1"/>
+                </a:solidFill>
+                <a:latin typeface="Share Tech Mono" panose="020B0509050000020004" pitchFamily="49" charset="0"/>
+              </a:rPr>
+              <a:t> </a:t>
+            </a:r>
+            <a:r>
+              <a:rPr lang="en-US" dirty="0">
+                <a:solidFill>
+                  <a:schemeClr val="bg2">
+                    <a:lumMod val="50000"/>
+                  </a:schemeClr>
+                </a:solidFill>
+                <a:latin typeface="Share Tech Mono" panose="020B0509050000020004" pitchFamily="49" charset="0"/>
+              </a:rPr>
+              <a:t>18</a:t>
+            </a:r>
+            <a:r>
+              <a:rPr lang="en-US" dirty="0">
+                <a:solidFill>
+                  <a:schemeClr val="bg1"/>
+                </a:solidFill>
+                <a:latin typeface="Share Tech Mono" panose="020B0509050000020004" pitchFamily="49" charset="0"/>
+              </a:rPr>
+              <a:t>|         </a:t>
+            </a:r>
+            <a:r>
+              <a:rPr lang="en-US" dirty="0">
+                <a:solidFill>
+                  <a:srgbClr val="FFC000"/>
+                </a:solidFill>
+                <a:latin typeface="Share Tech Mono" panose="020B0509050000020004" pitchFamily="49" charset="0"/>
+              </a:rPr>
+              <a:t>.ascii</a:t>
+            </a:r>
+            <a:r>
+              <a:rPr lang="en-US" dirty="0">
+                <a:solidFill>
+                  <a:schemeClr val="bg1"/>
+                </a:solidFill>
+                <a:latin typeface="Share Tech Mono" panose="020B0509050000020004" pitchFamily="49" charset="0"/>
+              </a:rPr>
+              <a:t>  </a:t>
+            </a:r>
+            <a:r>
+              <a:rPr lang="en-US" dirty="0">
+                <a:solidFill>
+                  <a:srgbClr val="00B0F0"/>
+                </a:solidFill>
+                <a:latin typeface="Share Tech Mono" panose="020B0509050000020004" pitchFamily="49" charset="0"/>
+              </a:rPr>
+              <a:t>"Hello, world\n"</a:t>
+            </a:r>
           </a:p>
         </p:txBody>
       </p:sp>
@@ -6844,6 +9147,17 @@
 <file path=ppt/slides/slide6.xml><?xml version="1.0" encoding="utf-8"?>
 <p:sld xmlns:a="http://schemas.openxmlformats.org/drawingml/2006/main" xmlns:r="http://schemas.openxmlformats.org/officeDocument/2006/relationships" xmlns:p="http://schemas.openxmlformats.org/presentationml/2006/main">
   <p:cSld>
+    <p:bg>
+      <p:bgPr>
+        <a:solidFill>
+          <a:schemeClr val="bg1">
+            <a:tint val="95000"/>
+            <a:satMod val="170000"/>
+          </a:schemeClr>
+        </a:solidFill>
+        <a:effectLst/>
+      </p:bgPr>
+    </p:bg>
     <p:spTree>
       <p:nvGrpSpPr>
         <p:cNvPr id="1" name=""/>
@@ -6858,128 +9172,154 @@
           <a:chExt cx="0" cy="0"/>
         </a:xfrm>
       </p:grpSpPr>
-      <p:sp>
-        <p:nvSpPr>
-          <p:cNvPr id="2" name="Title 1">
-            <a:extLst>
-              <a:ext uri="{FF2B5EF4-FFF2-40B4-BE49-F238E27FC236}">
-                <a16:creationId xmlns:a16="http://schemas.microsoft.com/office/drawing/2014/main" id="{DFC1E290-B20D-4FB5-8F7B-C22394D802E7}"/>
-              </a:ext>
-            </a:extLst>
-          </p:cNvPr>
-          <p:cNvSpPr>
-            <a:spLocks noGrp="1"/>
-          </p:cNvSpPr>
-          <p:nvPr>
-            <p:ph type="title"/>
-          </p:nvPr>
-        </p:nvSpPr>
-        <p:spPr/>
-        <p:txBody>
-          <a:bodyPr/>
+      <p:pic>
+        <p:nvPicPr>
+          <p:cNvPr id="13" name="Picture 12">
+            <a:extLst>
+              <a:ext uri="{FF2B5EF4-FFF2-40B4-BE49-F238E27FC236}">
+                <a16:creationId xmlns:a16="http://schemas.microsoft.com/office/drawing/2014/main" id="{9A1AC5EA-8619-4DF5-8624-234D29F09AC6}"/>
+              </a:ext>
+            </a:extLst>
+          </p:cNvPr>
+          <p:cNvPicPr>
+            <a:picLocks noChangeAspect="1"/>
+          </p:cNvPicPr>
+          <p:nvPr/>
+        </p:nvPicPr>
+        <p:blipFill rotWithShape="1">
+          <a:blip r:embed="rId2"/>
+          <a:srcRect r="-1" b="6412"/>
+          <a:stretch/>
+        </p:blipFill>
+        <p:spPr>
+          <a:xfrm>
+            <a:off x="321733" y="166458"/>
+            <a:ext cx="11548534" cy="6214534"/>
+          </a:xfrm>
+          <a:prstGeom prst="rect">
+            <a:avLst/>
+          </a:prstGeom>
+        </p:spPr>
+      </p:pic>
+      <p:sp>
+        <p:nvSpPr>
+          <p:cNvPr id="4" name="Footer Placeholder 3">
+            <a:extLst>
+              <a:ext uri="{FF2B5EF4-FFF2-40B4-BE49-F238E27FC236}">
+                <a16:creationId xmlns:a16="http://schemas.microsoft.com/office/drawing/2014/main" id="{B092C9BC-3348-4C26-9E96-51C991C2889F}"/>
+              </a:ext>
+            </a:extLst>
+          </p:cNvPr>
+          <p:cNvSpPr>
+            <a:spLocks noGrp="1"/>
+          </p:cNvSpPr>
+          <p:nvPr>
+            <p:ph type="ftr" sz="quarter" idx="11"/>
+          </p:nvPr>
+        </p:nvSpPr>
+        <p:spPr>
+          <a:xfrm>
+            <a:off x="4038600" y="6515390"/>
+            <a:ext cx="4114800" cy="365125"/>
+          </a:xfrm>
+        </p:spPr>
+        <p:txBody>
+          <a:bodyPr vert="horz" lIns="91440" tIns="45720" rIns="91440" bIns="45720" rtlCol="0" anchor="ctr">
+            <a:normAutofit/>
+          </a:bodyPr>
           <a:lstStyle/>
           <a:p>
-            <a:r>
-              <a:rPr lang="en-US" dirty="0"/>
-              <a:t>Maybe RISC Assembly Languages…</a:t>
-            </a:r>
-          </a:p>
-        </p:txBody>
-      </p:sp>
-      <p:sp>
-        <p:nvSpPr>
-          <p:cNvPr id="3" name="Content Placeholder 2">
-            <a:extLst>
-              <a:ext uri="{FF2B5EF4-FFF2-40B4-BE49-F238E27FC236}">
-                <a16:creationId xmlns:a16="http://schemas.microsoft.com/office/drawing/2014/main" id="{869C5D20-C939-4C18-B78F-5FFD216B7B99}"/>
-              </a:ext>
-            </a:extLst>
-          </p:cNvPr>
-          <p:cNvSpPr>
-            <a:spLocks noGrp="1"/>
-          </p:cNvSpPr>
-          <p:nvPr>
-            <p:ph idx="1"/>
-          </p:nvPr>
-        </p:nvSpPr>
-        <p:spPr/>
-        <p:txBody>
-          <a:bodyPr/>
+            <a:pPr>
+              <a:spcAft>
+                <a:spcPts val="600"/>
+              </a:spcAft>
+            </a:pPr>
+            <a:r>
+              <a:rPr lang="en-US" kern="1200">
+                <a:solidFill>
+                  <a:schemeClr val="tx1">
+                    <a:tint val="75000"/>
+                    <a:alpha val="80000"/>
+                  </a:schemeClr>
+                </a:solidFill>
+                <a:latin typeface="+mn-lt"/>
+                <a:ea typeface="+mn-ea"/>
+                <a:cs typeface="+mn-cs"/>
+              </a:rPr>
+              <a:t>widberg.github.io/kasm</a:t>
+            </a:r>
+          </a:p>
+        </p:txBody>
+      </p:sp>
+      <p:sp>
+        <p:nvSpPr>
+          <p:cNvPr id="5" name="Slide Number Placeholder 4">
+            <a:extLst>
+              <a:ext uri="{FF2B5EF4-FFF2-40B4-BE49-F238E27FC236}">
+                <a16:creationId xmlns:a16="http://schemas.microsoft.com/office/drawing/2014/main" id="{5FBAC0EB-8412-4713-ABE8-35953190077E}"/>
+              </a:ext>
+            </a:extLst>
+          </p:cNvPr>
+          <p:cNvSpPr>
+            <a:spLocks noGrp="1"/>
+          </p:cNvSpPr>
+          <p:nvPr>
+            <p:ph type="sldNum" sz="quarter" idx="12"/>
+          </p:nvPr>
+        </p:nvSpPr>
+        <p:spPr>
+          <a:xfrm>
+            <a:off x="8610600" y="6515390"/>
+            <a:ext cx="2743200" cy="365125"/>
+          </a:xfrm>
+        </p:spPr>
+        <p:txBody>
+          <a:bodyPr vert="horz" lIns="91440" tIns="45720" rIns="91440" bIns="45720" rtlCol="0" anchor="ctr">
+            <a:normAutofit/>
+          </a:bodyPr>
           <a:lstStyle/>
           <a:p>
-            <a:r>
-              <a:rPr lang="en-US" dirty="0"/>
-              <a:t>Easy to memorize</a:t>
-            </a:r>
-          </a:p>
-        </p:txBody>
-      </p:sp>
-      <p:sp>
-        <p:nvSpPr>
-          <p:cNvPr id="4" name="Footer Placeholder 3">
-            <a:extLst>
-              <a:ext uri="{FF2B5EF4-FFF2-40B4-BE49-F238E27FC236}">
-                <a16:creationId xmlns:a16="http://schemas.microsoft.com/office/drawing/2014/main" id="{E05F7E29-A2D6-4D01-92E8-AD5A568731CE}"/>
-              </a:ext>
-            </a:extLst>
-          </p:cNvPr>
-          <p:cNvSpPr>
-            <a:spLocks noGrp="1"/>
-          </p:cNvSpPr>
-          <p:nvPr>
-            <p:ph type="ftr" sz="quarter" idx="11"/>
-          </p:nvPr>
-        </p:nvSpPr>
-        <p:spPr/>
-        <p:txBody>
-          <a:bodyPr/>
-          <a:lstStyle/>
-          <a:p>
-            <a:r>
-              <a:rPr lang="en-US"/>
-              <a:t>widberg.github.io/kasm</a:t>
-            </a:r>
-          </a:p>
-        </p:txBody>
-      </p:sp>
-      <p:sp>
-        <p:nvSpPr>
-          <p:cNvPr id="5" name="Slide Number Placeholder 4">
-            <a:extLst>
-              <a:ext uri="{FF2B5EF4-FFF2-40B4-BE49-F238E27FC236}">
-                <a16:creationId xmlns:a16="http://schemas.microsoft.com/office/drawing/2014/main" id="{0870B171-2B35-4473-AB3B-FA8B24CE9C2D}"/>
-              </a:ext>
-            </a:extLst>
-          </p:cNvPr>
-          <p:cNvSpPr>
-            <a:spLocks noGrp="1"/>
-          </p:cNvSpPr>
-          <p:nvPr>
-            <p:ph type="sldNum" sz="quarter" idx="12"/>
-          </p:nvPr>
-        </p:nvSpPr>
-        <p:spPr/>
-        <p:txBody>
-          <a:bodyPr/>
-          <a:lstStyle/>
-          <a:p>
+            <a:pPr>
+              <a:spcAft>
+                <a:spcPts val="600"/>
+              </a:spcAft>
+            </a:pPr>
             <a:fld id="{17205DFE-0762-4742-8A3F-8DEAEE28F0E3}" type="slidenum">
-              <a:rPr lang="en-US" smtClean="0"/>
+              <a:rPr lang="en-US">
+                <a:solidFill>
+                  <a:schemeClr val="tx1">
+                    <a:tint val="75000"/>
+                    <a:alpha val="80000"/>
+                  </a:schemeClr>
+                </a:solidFill>
+              </a:rPr>
+              <a:pPr>
+                <a:spcAft>
+                  <a:spcPts val="600"/>
+                </a:spcAft>
+              </a:pPr>
               <a:t>6</a:t>
             </a:fld>
-            <a:endParaRPr lang="en-US"/>
+            <a:endParaRPr lang="en-US">
+              <a:solidFill>
+                <a:schemeClr val="tx1">
+                  <a:tint val="75000"/>
+                  <a:alpha val="80000"/>
+                </a:schemeClr>
+              </a:solidFill>
+            </a:endParaRPr>
           </a:p>
         </p:txBody>
       </p:sp>
     </p:spTree>
     <p:extLst>
       <p:ext uri="{BB962C8B-B14F-4D97-AF65-F5344CB8AC3E}">
-        <p14:creationId xmlns:p14="http://schemas.microsoft.com/office/powerpoint/2010/main" val="2872523156"/>
+        <p14:creationId xmlns:p14="http://schemas.microsoft.com/office/powerpoint/2010/main" val="1822134016"/>
       </p:ext>
     </p:extLst>
   </p:cSld>
   <p:clrMapOvr>
-    <a:masterClrMapping/>
+    <a:overrideClrMapping bg1="dk1" tx1="lt1" bg2="dk2" tx2="lt2" accent1="accent1" accent2="accent2" accent3="accent3" accent4="accent4" accent5="accent5" accent6="accent6" hlink="hlink" folHlink="folHlink"/>
   </p:clrMapOvr>
 </p:sld>
 </file>
@@ -6987,6 +9327,17 @@
 <file path=ppt/slides/slide7.xml><?xml version="1.0" encoding="utf-8"?>
 <p:sld xmlns:a="http://schemas.openxmlformats.org/drawingml/2006/main" xmlns:r="http://schemas.openxmlformats.org/officeDocument/2006/relationships" xmlns:p="http://schemas.openxmlformats.org/presentationml/2006/main">
   <p:cSld>
+    <p:bg>
+      <p:bgPr>
+        <a:solidFill>
+          <a:schemeClr val="bg1">
+            <a:tint val="95000"/>
+            <a:satMod val="170000"/>
+          </a:schemeClr>
+        </a:solidFill>
+        <a:effectLst/>
+      </p:bgPr>
+    </p:bg>
     <p:spTree>
       <p:nvGrpSpPr>
         <p:cNvPr id="1" name=""/>
@@ -7001,40 +9352,12 @@
           <a:chExt cx="0" cy="0"/>
         </a:xfrm>
       </p:grpSpPr>
-      <p:sp>
-        <p:nvSpPr>
-          <p:cNvPr id="2" name="Title 1">
-            <a:extLst>
-              <a:ext uri="{FF2B5EF4-FFF2-40B4-BE49-F238E27FC236}">
-                <a16:creationId xmlns:a16="http://schemas.microsoft.com/office/drawing/2014/main" id="{744DF199-4DCA-4541-A844-DED4B48065F7}"/>
-              </a:ext>
-            </a:extLst>
-          </p:cNvPr>
-          <p:cNvSpPr>
-            <a:spLocks noGrp="1"/>
-          </p:cNvSpPr>
-          <p:nvPr>
-            <p:ph type="title"/>
-          </p:nvPr>
-        </p:nvSpPr>
-        <p:spPr/>
-        <p:txBody>
-          <a:bodyPr/>
-          <a:lstStyle/>
-          <a:p>
-            <a:r>
-              <a:rPr lang="en-US" dirty="0"/>
-              <a:t>Something Isn’t Working</a:t>
-            </a:r>
-          </a:p>
-        </p:txBody>
-      </p:sp>
       <p:pic>
         <p:nvPicPr>
           <p:cNvPr id="7" name="Content Placeholder 6">
             <a:extLst>
               <a:ext uri="{FF2B5EF4-FFF2-40B4-BE49-F238E27FC236}">
-                <a16:creationId xmlns:a16="http://schemas.microsoft.com/office/drawing/2014/main" id="{337539DA-500D-44CD-8B2C-32A07C5CF8E1}"/>
+                <a16:creationId xmlns:a16="http://schemas.microsoft.com/office/drawing/2014/main" id="{C2525C1A-C561-4385-8511-646DB2BF0C0A}"/>
               </a:ext>
             </a:extLst>
           </p:cNvPr>
@@ -7045,433 +9368,192 @@
             <p:ph idx="1"/>
           </p:nvPr>
         </p:nvPicPr>
-        <p:blipFill>
-          <a:blip r:embed="rId2">
-            <a:extLst>
-              <a:ext uri="{28A0092B-C50C-407E-A947-70E740481C1C}">
-                <a14:useLocalDpi xmlns:a14="http://schemas.microsoft.com/office/drawing/2010/main" val="0"/>
-              </a:ext>
-              <a:ext uri="{96DAC541-7B7A-43D3-8B79-37D633B846F1}">
-                <asvg:svgBlip xmlns:asvg="http://schemas.microsoft.com/office/drawing/2016/SVG/main" r:embed="rId3"/>
-              </a:ext>
-            </a:extLst>
-          </a:blip>
-          <a:stretch>
-            <a:fillRect/>
-          </a:stretch>
+        <p:blipFill rotWithShape="1">
+          <a:blip r:embed="rId2"/>
+          <a:srcRect r="19628"/>
+          <a:stretch/>
         </p:blipFill>
         <p:spPr>
           <a:xfrm>
-            <a:off x="5469220" y="1027906"/>
-            <a:ext cx="6720961" cy="4351338"/>
-          </a:xfrm>
-        </p:spPr>
-      </p:pic>
-      <p:sp>
-        <p:nvSpPr>
-          <p:cNvPr id="4" name="Footer Placeholder 3">
-            <a:extLst>
-              <a:ext uri="{FF2B5EF4-FFF2-40B4-BE49-F238E27FC236}">
-                <a16:creationId xmlns:a16="http://schemas.microsoft.com/office/drawing/2014/main" id="{50F431B9-94B6-4DD2-8DC9-E776B8E31FD8}"/>
-              </a:ext>
-            </a:extLst>
-          </p:cNvPr>
-          <p:cNvSpPr>
-            <a:spLocks noGrp="1"/>
-          </p:cNvSpPr>
-          <p:nvPr>
-            <p:ph type="ftr" sz="quarter" idx="11"/>
-          </p:nvPr>
-        </p:nvSpPr>
-        <p:spPr/>
-        <p:txBody>
-          <a:bodyPr/>
-          <a:lstStyle/>
-          <a:p>
-            <a:r>
-              <a:rPr lang="en-US"/>
-              <a:t>widberg.github.io/kasm</a:t>
-            </a:r>
-          </a:p>
-        </p:txBody>
-      </p:sp>
-      <p:sp>
-        <p:nvSpPr>
-          <p:cNvPr id="5" name="Slide Number Placeholder 4">
-            <a:extLst>
-              <a:ext uri="{FF2B5EF4-FFF2-40B4-BE49-F238E27FC236}">
-                <a16:creationId xmlns:a16="http://schemas.microsoft.com/office/drawing/2014/main" id="{CE6AC900-A6F2-4E1C-91F1-C98983CD1293}"/>
-              </a:ext>
-            </a:extLst>
-          </p:cNvPr>
-          <p:cNvSpPr>
-            <a:spLocks noGrp="1"/>
-          </p:cNvSpPr>
-          <p:nvPr>
-            <p:ph type="sldNum" sz="quarter" idx="12"/>
-          </p:nvPr>
-        </p:nvSpPr>
-        <p:spPr/>
-        <p:txBody>
-          <a:bodyPr/>
-          <a:lstStyle/>
-          <a:p>
-            <a:fld id="{17205DFE-0762-4742-8A3F-8DEAEE28F0E3}" type="slidenum">
-              <a:rPr lang="en-US" smtClean="0"/>
-              <a:t>7</a:t>
-            </a:fld>
-            <a:endParaRPr lang="en-US"/>
-          </a:p>
-        </p:txBody>
-      </p:sp>
-      <p:sp>
-        <p:nvSpPr>
-          <p:cNvPr id="8" name="TextBox 7">
-            <a:extLst>
-              <a:ext uri="{FF2B5EF4-FFF2-40B4-BE49-F238E27FC236}">
-                <a16:creationId xmlns:a16="http://schemas.microsoft.com/office/drawing/2014/main" id="{4A6C966C-0491-437D-B0E1-106C3DA6D500}"/>
-              </a:ext>
-            </a:extLst>
-          </p:cNvPr>
-          <p:cNvSpPr txBox="1"/>
-          <p:nvPr/>
-        </p:nvSpPr>
-        <p:spPr>
-          <a:xfrm>
-            <a:off x="6199464" y="4261607"/>
-            <a:ext cx="1253869" cy="707886"/>
-          </a:xfrm>
-          <a:prstGeom prst="rect">
-            <a:avLst/>
-          </a:prstGeom>
-          <a:noFill/>
-        </p:spPr>
-        <p:txBody>
-          <a:bodyPr wrap="none" rtlCol="0">
-            <a:spAutoFit/>
-          </a:bodyPr>
-          <a:lstStyle/>
-          <a:p>
-            <a:r>
-              <a:rPr lang="en-US" sz="4000" dirty="0"/>
-              <a:t>MIPS</a:t>
-            </a:r>
-          </a:p>
-        </p:txBody>
-      </p:sp>
-      <p:sp>
-        <p:nvSpPr>
-          <p:cNvPr id="9" name="TextBox 8">
-            <a:extLst>
-              <a:ext uri="{FF2B5EF4-FFF2-40B4-BE49-F238E27FC236}">
-                <a16:creationId xmlns:a16="http://schemas.microsoft.com/office/drawing/2014/main" id="{477C3601-DEE3-4B30-B455-9241333A93D2}"/>
-              </a:ext>
-            </a:extLst>
-          </p:cNvPr>
-          <p:cNvSpPr txBox="1"/>
-          <p:nvPr/>
-        </p:nvSpPr>
-        <p:spPr>
-          <a:xfrm>
-            <a:off x="6989904" y="3374334"/>
-            <a:ext cx="926857" cy="707886"/>
-          </a:xfrm>
-          <a:prstGeom prst="rect">
-            <a:avLst/>
-          </a:prstGeom>
-          <a:noFill/>
-        </p:spPr>
-        <p:txBody>
-          <a:bodyPr wrap="none" rtlCol="0">
-            <a:spAutoFit/>
-          </a:bodyPr>
-          <a:lstStyle/>
-          <a:p>
-            <a:r>
-              <a:rPr lang="en-US" sz="4000" dirty="0"/>
-              <a:t>x86</a:t>
-            </a:r>
-          </a:p>
-        </p:txBody>
-      </p:sp>
-      <p:sp>
-        <p:nvSpPr>
-          <p:cNvPr id="10" name="TextBox 9">
-            <a:extLst>
-              <a:ext uri="{FF2B5EF4-FFF2-40B4-BE49-F238E27FC236}">
-                <a16:creationId xmlns:a16="http://schemas.microsoft.com/office/drawing/2014/main" id="{F0487569-2351-4A40-A3A5-7C4E070EEBCF}"/>
-              </a:ext>
-            </a:extLst>
-          </p:cNvPr>
-          <p:cNvSpPr txBox="1"/>
-          <p:nvPr/>
-        </p:nvSpPr>
-        <p:spPr>
-          <a:xfrm>
-            <a:off x="8052732" y="2495689"/>
-            <a:ext cx="954107" cy="707886"/>
-          </a:xfrm>
-          <a:prstGeom prst="rect">
-            <a:avLst/>
-          </a:prstGeom>
-          <a:noFill/>
-        </p:spPr>
-        <p:txBody>
-          <a:bodyPr wrap="none" rtlCol="0">
-            <a:spAutoFit/>
-          </a:bodyPr>
-          <a:lstStyle/>
-          <a:p>
-            <a:r>
-              <a:rPr lang="en-US" sz="4000" dirty="0"/>
-              <a:t>Y86</a:t>
-            </a:r>
-          </a:p>
-        </p:txBody>
-      </p:sp>
-      <p:sp>
-        <p:nvSpPr>
-          <p:cNvPr id="11" name="TextBox 10">
-            <a:extLst>
-              <a:ext uri="{FF2B5EF4-FFF2-40B4-BE49-F238E27FC236}">
-                <a16:creationId xmlns:a16="http://schemas.microsoft.com/office/drawing/2014/main" id="{C63380E2-BD09-49B9-9666-2684F7B3B3D6}"/>
-              </a:ext>
-            </a:extLst>
-          </p:cNvPr>
-          <p:cNvSpPr txBox="1"/>
-          <p:nvPr/>
-        </p:nvSpPr>
-        <p:spPr>
-          <a:xfrm>
-            <a:off x="9506125" y="5025301"/>
-            <a:ext cx="2202975" cy="707886"/>
-          </a:xfrm>
-          <a:prstGeom prst="rect">
-            <a:avLst/>
-          </a:prstGeom>
-          <a:noFill/>
-        </p:spPr>
-        <p:txBody>
-          <a:bodyPr wrap="none" rtlCol="0">
-            <a:spAutoFit/>
-          </a:bodyPr>
-          <a:lstStyle/>
-          <a:p>
-            <a:r>
-              <a:rPr lang="en-US" sz="4000" dirty="0"/>
-              <a:t>x86 Again</a:t>
-            </a:r>
-          </a:p>
-        </p:txBody>
-      </p:sp>
-      <p:sp>
-        <p:nvSpPr>
-          <p:cNvPr id="12" name="Content Placeholder 2">
-            <a:extLst>
-              <a:ext uri="{FF2B5EF4-FFF2-40B4-BE49-F238E27FC236}">
-                <a16:creationId xmlns:a16="http://schemas.microsoft.com/office/drawing/2014/main" id="{FFDCC961-0631-4E47-8261-C738EED6C335}"/>
-              </a:ext>
-            </a:extLst>
-          </p:cNvPr>
-          <p:cNvSpPr txBox="1">
-            <a:spLocks/>
-          </p:cNvSpPr>
-          <p:nvPr/>
-        </p:nvSpPr>
-        <p:spPr>
-          <a:xfrm>
-            <a:off x="838200" y="1825625"/>
-            <a:ext cx="10515600" cy="4351338"/>
+            <a:off x="321733" y="192337"/>
+            <a:ext cx="11548534" cy="6214534"/>
           </a:xfrm>
           <a:prstGeom prst="rect">
             <a:avLst/>
           </a:prstGeom>
         </p:spPr>
-        <p:txBody>
-          <a:bodyPr vert="horz" lIns="91440" tIns="45720" rIns="91440" bIns="45720" rtlCol="0">
+      </p:pic>
+      <p:sp>
+        <p:nvSpPr>
+          <p:cNvPr id="4" name="Footer Placeholder 3">
+            <a:extLst>
+              <a:ext uri="{FF2B5EF4-FFF2-40B4-BE49-F238E27FC236}">
+                <a16:creationId xmlns:a16="http://schemas.microsoft.com/office/drawing/2014/main" id="{FFB534F4-95A0-4482-835E-CE40BA670672}"/>
+              </a:ext>
+            </a:extLst>
+          </p:cNvPr>
+          <p:cNvSpPr>
+            <a:spLocks noGrp="1"/>
+          </p:cNvSpPr>
+          <p:nvPr>
+            <p:ph type="ftr" sz="quarter" idx="11"/>
+          </p:nvPr>
+        </p:nvSpPr>
+        <p:spPr>
+          <a:xfrm>
+            <a:off x="4038600" y="6515390"/>
+            <a:ext cx="4114800" cy="365125"/>
+          </a:xfrm>
+        </p:spPr>
+        <p:txBody>
+          <a:bodyPr vert="horz" lIns="91440" tIns="45720" rIns="91440" bIns="45720" rtlCol="0" anchor="ctr">
             <a:normAutofit/>
           </a:bodyPr>
-          <a:lstStyle>
-            <a:lvl1pPr marL="228600" indent="-228600" algn="l" defTabSz="914400" rtl="0" eaLnBrk="1" latinLnBrk="0" hangingPunct="1">
-              <a:lnSpc>
-                <a:spcPct val="90000"/>
-              </a:lnSpc>
-              <a:spcBef>
-                <a:spcPts val="1000"/>
-              </a:spcBef>
-              <a:buFont typeface="Arial" panose="020B0604020202020204" pitchFamily="34" charset="0"/>
-              <a:buChar char="•"/>
-              <a:defRPr sz="2800" kern="1200">
-                <a:solidFill>
-                  <a:schemeClr val="tx1"/>
+          <a:lstStyle/>
+          <a:p>
+            <a:pPr>
+              <a:spcAft>
+                <a:spcPts val="600"/>
+              </a:spcAft>
+            </a:pPr>
+            <a:r>
+              <a:rPr lang="en-US" kern="1200">
+                <a:solidFill>
+                  <a:schemeClr val="tx1">
+                    <a:tint val="75000"/>
+                    <a:alpha val="80000"/>
+                  </a:schemeClr>
                 </a:solidFill>
                 <a:latin typeface="+mn-lt"/>
                 <a:ea typeface="+mn-ea"/>
                 <a:cs typeface="+mn-cs"/>
-              </a:defRPr>
-            </a:lvl1pPr>
-            <a:lvl2pPr marL="685800" indent="-228600" algn="l" defTabSz="914400" rtl="0" eaLnBrk="1" latinLnBrk="0" hangingPunct="1">
-              <a:lnSpc>
-                <a:spcPct val="90000"/>
-              </a:lnSpc>
-              <a:spcBef>
-                <a:spcPts val="500"/>
-              </a:spcBef>
-              <a:buFont typeface="Arial" panose="020B0604020202020204" pitchFamily="34" charset="0"/>
-              <a:buChar char="•"/>
-              <a:defRPr sz="2400" kern="1200">
-                <a:solidFill>
-                  <a:schemeClr val="tx1"/>
-                </a:solidFill>
-                <a:latin typeface="+mn-lt"/>
-                <a:ea typeface="+mn-ea"/>
-                <a:cs typeface="+mn-cs"/>
-              </a:defRPr>
-            </a:lvl2pPr>
-            <a:lvl3pPr marL="1143000" indent="-228600" algn="l" defTabSz="914400" rtl="0" eaLnBrk="1" latinLnBrk="0" hangingPunct="1">
-              <a:lnSpc>
-                <a:spcPct val="90000"/>
-              </a:lnSpc>
-              <a:spcBef>
-                <a:spcPts val="500"/>
-              </a:spcBef>
-              <a:buFont typeface="Arial" panose="020B0604020202020204" pitchFamily="34" charset="0"/>
-              <a:buChar char="•"/>
-              <a:defRPr sz="2000" kern="1200">
-                <a:solidFill>
-                  <a:schemeClr val="tx1"/>
-                </a:solidFill>
-                <a:latin typeface="+mn-lt"/>
-                <a:ea typeface="+mn-ea"/>
-                <a:cs typeface="+mn-cs"/>
-              </a:defRPr>
-            </a:lvl3pPr>
-            <a:lvl4pPr marL="1600200" indent="-228600" algn="l" defTabSz="914400" rtl="0" eaLnBrk="1" latinLnBrk="0" hangingPunct="1">
-              <a:lnSpc>
-                <a:spcPct val="90000"/>
-              </a:lnSpc>
-              <a:spcBef>
-                <a:spcPts val="500"/>
-              </a:spcBef>
-              <a:buFont typeface="Arial" panose="020B0604020202020204" pitchFamily="34" charset="0"/>
-              <a:buChar char="•"/>
-              <a:defRPr sz="1800" kern="1200">
-                <a:solidFill>
-                  <a:schemeClr val="tx1"/>
-                </a:solidFill>
-                <a:latin typeface="+mn-lt"/>
-                <a:ea typeface="+mn-ea"/>
-                <a:cs typeface="+mn-cs"/>
-              </a:defRPr>
-            </a:lvl4pPr>
-            <a:lvl5pPr marL="2057400" indent="-228600" algn="l" defTabSz="914400" rtl="0" eaLnBrk="1" latinLnBrk="0" hangingPunct="1">
-              <a:lnSpc>
-                <a:spcPct val="90000"/>
-              </a:lnSpc>
-              <a:spcBef>
-                <a:spcPts val="500"/>
-              </a:spcBef>
-              <a:buFont typeface="Arial" panose="020B0604020202020204" pitchFamily="34" charset="0"/>
-              <a:buChar char="•"/>
-              <a:defRPr sz="1800" kern="1200">
-                <a:solidFill>
-                  <a:schemeClr val="tx1"/>
-                </a:solidFill>
-                <a:latin typeface="+mn-lt"/>
-                <a:ea typeface="+mn-ea"/>
-                <a:cs typeface="+mn-cs"/>
-              </a:defRPr>
-            </a:lvl5pPr>
-            <a:lvl6pPr marL="2514600" indent="-228600" algn="l" defTabSz="914400" rtl="0" eaLnBrk="1" latinLnBrk="0" hangingPunct="1">
-              <a:lnSpc>
-                <a:spcPct val="90000"/>
-              </a:lnSpc>
-              <a:spcBef>
-                <a:spcPts val="500"/>
-              </a:spcBef>
-              <a:buFont typeface="Arial" panose="020B0604020202020204" pitchFamily="34" charset="0"/>
-              <a:buChar char="•"/>
-              <a:defRPr sz="1800" kern="1200">
-                <a:solidFill>
-                  <a:schemeClr val="tx1"/>
-                </a:solidFill>
-                <a:latin typeface="+mn-lt"/>
-                <a:ea typeface="+mn-ea"/>
-                <a:cs typeface="+mn-cs"/>
-              </a:defRPr>
-            </a:lvl6pPr>
-            <a:lvl7pPr marL="2971800" indent="-228600" algn="l" defTabSz="914400" rtl="0" eaLnBrk="1" latinLnBrk="0" hangingPunct="1">
-              <a:lnSpc>
-                <a:spcPct val="90000"/>
-              </a:lnSpc>
-              <a:spcBef>
-                <a:spcPts val="500"/>
-              </a:spcBef>
-              <a:buFont typeface="Arial" panose="020B0604020202020204" pitchFamily="34" charset="0"/>
-              <a:buChar char="•"/>
-              <a:defRPr sz="1800" kern="1200">
-                <a:solidFill>
-                  <a:schemeClr val="tx1"/>
-                </a:solidFill>
-                <a:latin typeface="+mn-lt"/>
-                <a:ea typeface="+mn-ea"/>
-                <a:cs typeface="+mn-cs"/>
-              </a:defRPr>
-            </a:lvl7pPr>
-            <a:lvl8pPr marL="3429000" indent="-228600" algn="l" defTabSz="914400" rtl="0" eaLnBrk="1" latinLnBrk="0" hangingPunct="1">
-              <a:lnSpc>
-                <a:spcPct val="90000"/>
-              </a:lnSpc>
-              <a:spcBef>
-                <a:spcPts val="500"/>
-              </a:spcBef>
-              <a:buFont typeface="Arial" panose="020B0604020202020204" pitchFamily="34" charset="0"/>
-              <a:buChar char="•"/>
-              <a:defRPr sz="1800" kern="1200">
-                <a:solidFill>
-                  <a:schemeClr val="tx1"/>
-                </a:solidFill>
-                <a:latin typeface="+mn-lt"/>
-                <a:ea typeface="+mn-ea"/>
-                <a:cs typeface="+mn-cs"/>
-              </a:defRPr>
-            </a:lvl8pPr>
-            <a:lvl9pPr marL="3886200" indent="-228600" algn="l" defTabSz="914400" rtl="0" eaLnBrk="1" latinLnBrk="0" hangingPunct="1">
-              <a:lnSpc>
-                <a:spcPct val="90000"/>
-              </a:lnSpc>
-              <a:spcBef>
-                <a:spcPts val="500"/>
-              </a:spcBef>
-              <a:buFont typeface="Arial" panose="020B0604020202020204" pitchFamily="34" charset="0"/>
-              <a:buChar char="•"/>
-              <a:defRPr sz="1800" kern="1200">
-                <a:solidFill>
-                  <a:schemeClr val="tx1"/>
-                </a:solidFill>
-                <a:latin typeface="+mn-lt"/>
-                <a:ea typeface="+mn-ea"/>
-                <a:cs typeface="+mn-cs"/>
-              </a:defRPr>
-            </a:lvl9pPr>
-          </a:lstStyle>
-          <a:p>
-            <a:r>
-              <a:rPr lang="en-US" dirty="0"/>
-              <a:t>I mean really; what the fuck is this shit?</a:t>
-            </a:r>
+              </a:rPr>
+              <a:t>widberg.github.io/kasm</a:t>
+            </a:r>
+          </a:p>
+        </p:txBody>
+      </p:sp>
+      <p:sp>
+        <p:nvSpPr>
+          <p:cNvPr id="5" name="Slide Number Placeholder 4">
+            <a:extLst>
+              <a:ext uri="{FF2B5EF4-FFF2-40B4-BE49-F238E27FC236}">
+                <a16:creationId xmlns:a16="http://schemas.microsoft.com/office/drawing/2014/main" id="{9DA2AEFD-C195-4B8A-B7E8-B8509F649B9C}"/>
+              </a:ext>
+            </a:extLst>
+          </p:cNvPr>
+          <p:cNvSpPr>
+            <a:spLocks noGrp="1"/>
+          </p:cNvSpPr>
+          <p:nvPr>
+            <p:ph type="sldNum" sz="quarter" idx="12"/>
+          </p:nvPr>
+        </p:nvSpPr>
+        <p:spPr>
+          <a:xfrm>
+            <a:off x="8610600" y="6515390"/>
+            <a:ext cx="2743200" cy="365125"/>
+          </a:xfrm>
+        </p:spPr>
+        <p:txBody>
+          <a:bodyPr vert="horz" lIns="91440" tIns="45720" rIns="91440" bIns="45720" rtlCol="0" anchor="ctr">
+            <a:normAutofit/>
+          </a:bodyPr>
+          <a:lstStyle/>
+          <a:p>
+            <a:pPr>
+              <a:spcAft>
+                <a:spcPts val="600"/>
+              </a:spcAft>
+            </a:pPr>
+            <a:fld id="{17205DFE-0762-4742-8A3F-8DEAEE28F0E3}" type="slidenum">
+              <a:rPr lang="en-US">
+                <a:solidFill>
+                  <a:schemeClr val="tx1">
+                    <a:tint val="75000"/>
+                    <a:alpha val="80000"/>
+                  </a:schemeClr>
+                </a:solidFill>
+              </a:rPr>
+              <a:pPr>
+                <a:spcAft>
+                  <a:spcPts val="600"/>
+                </a:spcAft>
+              </a:pPr>
+              <a:t>7</a:t>
+            </a:fld>
+            <a:endParaRPr lang="en-US">
+              <a:solidFill>
+                <a:schemeClr val="tx1">
+                  <a:tint val="75000"/>
+                  <a:alpha val="80000"/>
+                </a:schemeClr>
+              </a:solidFill>
+            </a:endParaRPr>
+          </a:p>
+        </p:txBody>
+      </p:sp>
+      <p:sp>
+        <p:nvSpPr>
+          <p:cNvPr id="8" name="Rectangle 7">
+            <a:extLst>
+              <a:ext uri="{FF2B5EF4-FFF2-40B4-BE49-F238E27FC236}">
+                <a16:creationId xmlns:a16="http://schemas.microsoft.com/office/drawing/2014/main" id="{447F0E9D-B2A1-490B-AA1F-A66729A3839D}"/>
+              </a:ext>
+            </a:extLst>
+          </p:cNvPr>
+          <p:cNvSpPr/>
+          <p:nvPr/>
+        </p:nvSpPr>
+        <p:spPr>
+          <a:xfrm>
+            <a:off x="914400" y="3429000"/>
+            <a:ext cx="7781026" cy="334618"/>
+          </a:xfrm>
+          <a:prstGeom prst="rect">
+            <a:avLst/>
+          </a:prstGeom>
+          <a:solidFill>
+            <a:srgbClr val="FFFF00">
+              <a:alpha val="25098"/>
+            </a:srgbClr>
+          </a:solidFill>
+          <a:ln>
+            <a:noFill/>
+          </a:ln>
+        </p:spPr>
+        <p:style>
+          <a:lnRef idx="0">
+            <a:scrgbClr r="0" g="0" b="0"/>
+          </a:lnRef>
+          <a:fillRef idx="0">
+            <a:scrgbClr r="0" g="0" b="0"/>
+          </a:fillRef>
+          <a:effectRef idx="0">
+            <a:scrgbClr r="0" g="0" b="0"/>
+          </a:effectRef>
+          <a:fontRef idx="minor">
+            <a:schemeClr val="lt1"/>
+          </a:fontRef>
+        </p:style>
+        <p:txBody>
+          <a:bodyPr rtlCol="0" anchor="ctr"/>
+          <a:lstStyle/>
+          <a:p>
+            <a:pPr algn="ctr"/>
+            <a:endParaRPr lang="en-US"/>
           </a:p>
         </p:txBody>
       </p:sp>
     </p:spTree>
     <p:extLst>
       <p:ext uri="{BB962C8B-B14F-4D97-AF65-F5344CB8AC3E}">
-        <p14:creationId xmlns:p14="http://schemas.microsoft.com/office/powerpoint/2010/main" val="332529414"/>
+        <p14:creationId xmlns:p14="http://schemas.microsoft.com/office/powerpoint/2010/main" val="4225930316"/>
       </p:ext>
     </p:extLst>
   </p:cSld>
   <p:clrMapOvr>
-    <a:masterClrMapping/>
+    <a:overrideClrMapping bg1="dk1" tx1="lt1" bg2="dk2" tx2="lt2" accent1="accent1" accent2="accent2" accent3="accent3" accent4="accent4" accent5="accent5" accent6="accent6" hlink="hlink" folHlink="folHlink"/>
   </p:clrMapOvr>
 </p:sld>
 </file>
@@ -7498,7 +9580,7 @@
           <p:cNvPr id="2" name="Title 1">
             <a:extLst>
               <a:ext uri="{FF2B5EF4-FFF2-40B4-BE49-F238E27FC236}">
-                <a16:creationId xmlns:a16="http://schemas.microsoft.com/office/drawing/2014/main" id="{3DA805D6-4E09-4849-8649-86402172D2AF}"/>
+                <a16:creationId xmlns:a16="http://schemas.microsoft.com/office/drawing/2014/main" id="{C24C0D60-994E-4A57-804B-CD68A0B4E9D4}"/>
               </a:ext>
             </a:extLst>
           </p:cNvPr>
@@ -7514,10 +9596,7 @@
           <a:bodyPr/>
           <a:lstStyle/>
           <a:p>
-            <a:r>
-              <a:rPr lang="en-US" dirty="0"/>
-              <a:t>Somewhere in Between</a:t>
-            </a:r>
+            <a:endParaRPr lang="en-US"/>
           </a:p>
         </p:txBody>
       </p:sp>
@@ -7526,7 +9605,7 @@
           <p:cNvPr id="3" name="Content Placeholder 2">
             <a:extLst>
               <a:ext uri="{FF2B5EF4-FFF2-40B4-BE49-F238E27FC236}">
-                <a16:creationId xmlns:a16="http://schemas.microsoft.com/office/drawing/2014/main" id="{4B4FC435-C6A1-4E6C-8F79-768E56DE529C}"/>
+                <a16:creationId xmlns:a16="http://schemas.microsoft.com/office/drawing/2014/main" id="{60BE9736-4E64-4158-B0CB-147202BC58BC}"/>
               </a:ext>
             </a:extLst>
           </p:cNvPr>
@@ -7544,14 +9623,15 @@
           <a:p>
             <a:r>
               <a:rPr lang="en-US" dirty="0"/>
-              <a:t>Instruction set emulation</a:t>
-            </a:r>
-          </a:p>
-          <a:p>
-            <a:r>
-              <a:rPr lang="en-US" dirty="0"/>
-              <a:t>Training wheels</a:t>
-            </a:r>
+              <a:t>15232 words</a:t>
+            </a:r>
+          </a:p>
+          <a:p>
+            <a:r>
+              <a:rPr lang="en-US"/>
+              <a:t>No uniformity</a:t>
+            </a:r>
+            <a:endParaRPr lang="en-US" dirty="0"/>
           </a:p>
         </p:txBody>
       </p:sp>
@@ -7560,7 +9640,7 @@
           <p:cNvPr id="4" name="Footer Placeholder 3">
             <a:extLst>
               <a:ext uri="{FF2B5EF4-FFF2-40B4-BE49-F238E27FC236}">
-                <a16:creationId xmlns:a16="http://schemas.microsoft.com/office/drawing/2014/main" id="{A51A449F-40A6-4D1B-83C1-FD000CBA55F0}"/>
+                <a16:creationId xmlns:a16="http://schemas.microsoft.com/office/drawing/2014/main" id="{0266740A-585C-4EA0-9886-E9FE8C5FC665}"/>
               </a:ext>
             </a:extLst>
           </p:cNvPr>
@@ -7588,7 +9668,7 @@
           <p:cNvPr id="5" name="Slide Number Placeholder 4">
             <a:extLst>
               <a:ext uri="{FF2B5EF4-FFF2-40B4-BE49-F238E27FC236}">
-                <a16:creationId xmlns:a16="http://schemas.microsoft.com/office/drawing/2014/main" id="{EB14F6E5-8A91-420B-8CD4-E86D88BEFB6F}"/>
+                <a16:creationId xmlns:a16="http://schemas.microsoft.com/office/drawing/2014/main" id="{6E95FA7F-FAD4-4D56-B3B5-8A62B38789D6}"/>
               </a:ext>
             </a:extLst>
           </p:cNvPr>
@@ -7615,7 +9695,7 @@
     </p:spTree>
     <p:extLst>
       <p:ext uri="{BB962C8B-B14F-4D97-AF65-F5344CB8AC3E}">
-        <p14:creationId xmlns:p14="http://schemas.microsoft.com/office/powerpoint/2010/main" val="2908899655"/>
+        <p14:creationId xmlns:p14="http://schemas.microsoft.com/office/powerpoint/2010/main" val="3859121716"/>
       </p:ext>
     </p:extLst>
   </p:cSld>
@@ -7647,7 +9727,7 @@
           <p:cNvPr id="2" name="Title 1">
             <a:extLst>
               <a:ext uri="{FF2B5EF4-FFF2-40B4-BE49-F238E27FC236}">
-                <a16:creationId xmlns:a16="http://schemas.microsoft.com/office/drawing/2014/main" id="{8B193879-772E-4D98-BA53-6DBAF366DBE8}"/>
+                <a16:creationId xmlns:a16="http://schemas.microsoft.com/office/drawing/2014/main" id="{DFC1E290-B20D-4FB5-8F7B-C22394D802E7}"/>
               </a:ext>
             </a:extLst>
           </p:cNvPr>
@@ -7665,7 +9745,7 @@
           <a:p>
             <a:r>
               <a:rPr lang="en-US" dirty="0"/>
-              <a:t>Bridging the KASM</a:t>
+              <a:t>Maybe RISC Assembly Languages…</a:t>
             </a:r>
           </a:p>
         </p:txBody>
@@ -7675,7 +9755,7 @@
           <p:cNvPr id="3" name="Content Placeholder 2">
             <a:extLst>
               <a:ext uri="{FF2B5EF4-FFF2-40B4-BE49-F238E27FC236}">
-                <a16:creationId xmlns:a16="http://schemas.microsoft.com/office/drawing/2014/main" id="{11AC70F9-44D8-43BF-A4FD-ABBC0F562B31}"/>
+                <a16:creationId xmlns:a16="http://schemas.microsoft.com/office/drawing/2014/main" id="{869C5D20-C939-4C18-B78F-5FFD216B7B99}"/>
               </a:ext>
             </a:extLst>
           </p:cNvPr>
@@ -7693,7 +9773,7 @@
           <a:p>
             <a:r>
               <a:rPr lang="en-US" dirty="0"/>
-              <a:t>KASM</a:t>
+              <a:t>Easy to memorize</a:t>
             </a:r>
           </a:p>
         </p:txBody>
@@ -7703,7 +9783,7 @@
           <p:cNvPr id="4" name="Footer Placeholder 3">
             <a:extLst>
               <a:ext uri="{FF2B5EF4-FFF2-40B4-BE49-F238E27FC236}">
-                <a16:creationId xmlns:a16="http://schemas.microsoft.com/office/drawing/2014/main" id="{2E8029A9-9A78-43E6-98D2-987FAA021916}"/>
+                <a16:creationId xmlns:a16="http://schemas.microsoft.com/office/drawing/2014/main" id="{E05F7E29-A2D6-4D01-92E8-AD5A568731CE}"/>
               </a:ext>
             </a:extLst>
           </p:cNvPr>
@@ -7728,10 +9808,10 @@
       </p:sp>
       <p:sp>
         <p:nvSpPr>
-          <p:cNvPr id="9" name="Slide Number Placeholder 8">
-            <a:extLst>
-              <a:ext uri="{FF2B5EF4-FFF2-40B4-BE49-F238E27FC236}">
-                <a16:creationId xmlns:a16="http://schemas.microsoft.com/office/drawing/2014/main" id="{0B229943-BCB5-4885-8E57-A11CC8611D20}"/>
+          <p:cNvPr id="5" name="Slide Number Placeholder 4">
+            <a:extLst>
+              <a:ext uri="{FF2B5EF4-FFF2-40B4-BE49-F238E27FC236}">
+                <a16:creationId xmlns:a16="http://schemas.microsoft.com/office/drawing/2014/main" id="{0870B171-2B35-4473-AB3B-FA8B24CE9C2D}"/>
               </a:ext>
             </a:extLst>
           </p:cNvPr>
@@ -7755,49 +9835,10 @@
           </a:p>
         </p:txBody>
       </p:sp>
-      <p:pic>
-        <p:nvPicPr>
-          <p:cNvPr id="11" name="Graphic 10">
-            <a:extLst>
-              <a:ext uri="{FF2B5EF4-FFF2-40B4-BE49-F238E27FC236}">
-                <a16:creationId xmlns:a16="http://schemas.microsoft.com/office/drawing/2014/main" id="{77FBA45A-B7CE-4880-8EB2-B2A9AD9B3728}"/>
-              </a:ext>
-            </a:extLst>
-          </p:cNvPr>
-          <p:cNvPicPr>
-            <a:picLocks noChangeAspect="1"/>
-          </p:cNvPicPr>
-          <p:nvPr/>
-        </p:nvPicPr>
-        <p:blipFill>
-          <a:blip r:embed="rId2">
-            <a:extLst>
-              <a:ext uri="{28A0092B-C50C-407E-A947-70E740481C1C}">
-                <a14:useLocalDpi xmlns:a14="http://schemas.microsoft.com/office/drawing/2010/main" val="0"/>
-              </a:ext>
-              <a:ext uri="{96DAC541-7B7A-43D3-8B79-37D633B846F1}">
-                <asvg:svgBlip xmlns:asvg="http://schemas.microsoft.com/office/drawing/2016/SVG/main" r:embed="rId3"/>
-              </a:ext>
-            </a:extLst>
-          </a:blip>
-          <a:stretch>
-            <a:fillRect/>
-          </a:stretch>
-        </p:blipFill>
-        <p:spPr>
-          <a:xfrm>
-            <a:off x="6436564" y="1423579"/>
-            <a:ext cx="5295360" cy="4010842"/>
-          </a:xfrm>
-          <a:prstGeom prst="rect">
-            <a:avLst/>
-          </a:prstGeom>
-        </p:spPr>
-      </p:pic>
     </p:spTree>
     <p:extLst>
       <p:ext uri="{BB962C8B-B14F-4D97-AF65-F5344CB8AC3E}">
-        <p14:creationId xmlns:p14="http://schemas.microsoft.com/office/powerpoint/2010/main" val="428481552"/>
+        <p14:creationId xmlns:p14="http://schemas.microsoft.com/office/powerpoint/2010/main" val="2872523156"/>
       </p:ext>
     </p:extLst>
   </p:cSld>
